--- a/public/ver_3/Stimuli/forage_instructions.pptx
+++ b/public/ver_3/Stimuli/forage_instructions.pptx
@@ -251,7 +251,7 @@
           <a:p>
             <a:fld id="{1814E929-3373-45CD-AA52-0EA1737F23A4}" type="datetimeFigureOut">
               <a:rPr lang="en-GB" smtClean="0"/>
-              <a:t>05/11/2019</a:t>
+              <a:t>07/11/2019</a:t>
             </a:fld>
             <a:endParaRPr lang="en-GB"/>
           </a:p>
@@ -421,7 +421,7 @@
           <a:p>
             <a:fld id="{1814E929-3373-45CD-AA52-0EA1737F23A4}" type="datetimeFigureOut">
               <a:rPr lang="en-GB" smtClean="0"/>
-              <a:t>05/11/2019</a:t>
+              <a:t>07/11/2019</a:t>
             </a:fld>
             <a:endParaRPr lang="en-GB"/>
           </a:p>
@@ -601,7 +601,7 @@
           <a:p>
             <a:fld id="{1814E929-3373-45CD-AA52-0EA1737F23A4}" type="datetimeFigureOut">
               <a:rPr lang="en-GB" smtClean="0"/>
-              <a:t>05/11/2019</a:t>
+              <a:t>07/11/2019</a:t>
             </a:fld>
             <a:endParaRPr lang="en-GB"/>
           </a:p>
@@ -771,7 +771,7 @@
           <a:p>
             <a:fld id="{1814E929-3373-45CD-AA52-0EA1737F23A4}" type="datetimeFigureOut">
               <a:rPr lang="en-GB" smtClean="0"/>
-              <a:t>05/11/2019</a:t>
+              <a:t>07/11/2019</a:t>
             </a:fld>
             <a:endParaRPr lang="en-GB"/>
           </a:p>
@@ -1015,7 +1015,7 @@
           <a:p>
             <a:fld id="{1814E929-3373-45CD-AA52-0EA1737F23A4}" type="datetimeFigureOut">
               <a:rPr lang="en-GB" smtClean="0"/>
-              <a:t>05/11/2019</a:t>
+              <a:t>07/11/2019</a:t>
             </a:fld>
             <a:endParaRPr lang="en-GB"/>
           </a:p>
@@ -1247,7 +1247,7 @@
           <a:p>
             <a:fld id="{1814E929-3373-45CD-AA52-0EA1737F23A4}" type="datetimeFigureOut">
               <a:rPr lang="en-GB" smtClean="0"/>
-              <a:t>05/11/2019</a:t>
+              <a:t>07/11/2019</a:t>
             </a:fld>
             <a:endParaRPr lang="en-GB"/>
           </a:p>
@@ -1614,7 +1614,7 @@
           <a:p>
             <a:fld id="{1814E929-3373-45CD-AA52-0EA1737F23A4}" type="datetimeFigureOut">
               <a:rPr lang="en-GB" smtClean="0"/>
-              <a:t>05/11/2019</a:t>
+              <a:t>07/11/2019</a:t>
             </a:fld>
             <a:endParaRPr lang="en-GB"/>
           </a:p>
@@ -1732,7 +1732,7 @@
           <a:p>
             <a:fld id="{1814E929-3373-45CD-AA52-0EA1737F23A4}" type="datetimeFigureOut">
               <a:rPr lang="en-GB" smtClean="0"/>
-              <a:t>05/11/2019</a:t>
+              <a:t>07/11/2019</a:t>
             </a:fld>
             <a:endParaRPr lang="en-GB"/>
           </a:p>
@@ -1827,7 +1827,7 @@
           <a:p>
             <a:fld id="{1814E929-3373-45CD-AA52-0EA1737F23A4}" type="datetimeFigureOut">
               <a:rPr lang="en-GB" smtClean="0"/>
-              <a:t>05/11/2019</a:t>
+              <a:t>07/11/2019</a:t>
             </a:fld>
             <a:endParaRPr lang="en-GB"/>
           </a:p>
@@ -2104,7 +2104,7 @@
           <a:p>
             <a:fld id="{1814E929-3373-45CD-AA52-0EA1737F23A4}" type="datetimeFigureOut">
               <a:rPr lang="en-GB" smtClean="0"/>
-              <a:t>05/11/2019</a:t>
+              <a:t>07/11/2019</a:t>
             </a:fld>
             <a:endParaRPr lang="en-GB"/>
           </a:p>
@@ -2361,7 +2361,7 @@
           <a:p>
             <a:fld id="{1814E929-3373-45CD-AA52-0EA1737F23A4}" type="datetimeFigureOut">
               <a:rPr lang="en-GB" smtClean="0"/>
-              <a:t>05/11/2019</a:t>
+              <a:t>07/11/2019</a:t>
             </a:fld>
             <a:endParaRPr lang="en-GB"/>
           </a:p>
@@ -2574,7 +2574,7 @@
           <a:p>
             <a:fld id="{1814E929-3373-45CD-AA52-0EA1737F23A4}" type="datetimeFigureOut">
               <a:rPr lang="en-GB" smtClean="0"/>
-              <a:t>05/11/2019</a:t>
+              <a:t>07/11/2019</a:t>
             </a:fld>
             <a:endParaRPr lang="en-GB"/>
           </a:p>
@@ -2989,10 +2989,15 @@
             <p:ph idx="1"/>
           </p:nvPr>
         </p:nvSpPr>
-        <p:spPr/>
+        <p:spPr>
+          <a:xfrm>
+            <a:off x="628650" y="1143000"/>
+            <a:ext cx="7886700" cy="5033963"/>
+          </a:xfrm>
+        </p:spPr>
         <p:txBody>
           <a:bodyPr>
-            <a:normAutofit fontScale="77500" lnSpcReduction="20000"/>
+            <a:normAutofit fontScale="70000" lnSpcReduction="20000"/>
           </a:bodyPr>
           <a:lstStyle/>
           <a:p>
@@ -3000,13 +3005,62 @@
               <a:rPr lang="en-GB" dirty="0">
                 <a:latin typeface="+mj-lt"/>
               </a:rPr>
-              <a:t>Welcome to the experiment! Thank you for participating. For your participation you will receive at least </a:t>
-            </a:r>
-            <a:r>
-              <a:rPr lang="en-GB" dirty="0" smtClean="0">
-                <a:latin typeface="+mj-lt"/>
-              </a:rPr>
-              <a:t>£2.50 </a:t>
+              <a:t>Welcome to the experiment! </a:t>
+            </a:r>
+            <a:endParaRPr lang="en-GB" dirty="0" smtClean="0">
+              <a:latin typeface="+mj-lt"/>
+            </a:endParaRPr>
+          </a:p>
+          <a:p>
+            <a:r>
+              <a:rPr lang="en-GB" dirty="0" smtClean="0">
+                <a:latin typeface="+mj-lt"/>
+              </a:rPr>
+              <a:t>This experiment will require you to press buttons on your keyboard repeatedly, sometimes with your </a:t>
+            </a:r>
+            <a:r>
+              <a:rPr lang="en-GB" dirty="0" err="1" smtClean="0">
+                <a:latin typeface="+mj-lt"/>
+              </a:rPr>
+              <a:t>pinky</a:t>
+            </a:r>
+            <a:r>
+              <a:rPr lang="en-GB" dirty="0" smtClean="0">
+                <a:latin typeface="+mj-lt"/>
+              </a:rPr>
+              <a:t>, applying varying amounts of physical effort. If you have any history of any sort of hand injury or pain with typing (e.g. which could make either fast button pressing or stretching your hand uncomfortable) please do not complete this task.</a:t>
+            </a:r>
+          </a:p>
+          <a:p>
+            <a:r>
+              <a:rPr lang="en-GB" dirty="0" smtClean="0">
+                <a:latin typeface="+mj-lt"/>
+              </a:rPr>
+              <a:t>Thank </a:t>
+            </a:r>
+            <a:r>
+              <a:rPr lang="en-GB" dirty="0">
+                <a:latin typeface="+mj-lt"/>
+              </a:rPr>
+              <a:t>you for participating. For your </a:t>
+            </a:r>
+            <a:r>
+              <a:rPr lang="en-GB" dirty="0" smtClean="0">
+                <a:latin typeface="+mj-lt"/>
+              </a:rPr>
+              <a:t>completion of the task, </a:t>
+            </a:r>
+            <a:r>
+              <a:rPr lang="en-GB" dirty="0">
+                <a:latin typeface="+mj-lt"/>
+              </a:rPr>
+              <a:t>you will receive at least </a:t>
+            </a:r>
+            <a:r>
+              <a:rPr lang="en-GB" dirty="0" smtClean="0">
+                <a:latin typeface="+mj-lt"/>
+              </a:rPr>
+              <a:t>£3.25 </a:t>
             </a:r>
             <a:r>
               <a:rPr lang="en-GB" dirty="0">
@@ -3116,7 +3170,13 @@
               <a:rPr lang="en-GB" b="1" dirty="0" smtClean="0">
                 <a:latin typeface="+mj-lt"/>
               </a:rPr>
-              <a:t>2 minutes</a:t>
+              <a:t>2.5 </a:t>
+            </a:r>
+            <a:r>
+              <a:rPr lang="en-GB" b="1" dirty="0" smtClean="0">
+                <a:latin typeface="+mj-lt"/>
+              </a:rPr>
+              <a:t>minutes</a:t>
             </a:r>
             <a:r>
               <a:rPr lang="en-GB" dirty="0" smtClean="0">
@@ -3276,7 +3336,67 @@
               <a:rPr lang="en-GB" dirty="0" smtClean="0">
                 <a:latin typeface="+mj-lt"/>
               </a:rPr>
-              <a:t> In order to travel to a new tree, each round will have a key you must press repeatedly (the ‘travel key’), as well as a set of 3 other keys you must constantly hold down (the ‘hold-down keys’), in order to move rightward on the screen.</a:t>
+              <a:t> In order to travel to a new tree, each round will have a key you must press repeatedly (the </a:t>
+            </a:r>
+            <a:r>
+              <a:rPr lang="en-GB" dirty="0" smtClean="0">
+                <a:latin typeface="+mj-lt"/>
+              </a:rPr>
+              <a:t>‘</a:t>
+            </a:r>
+            <a:r>
+              <a:rPr lang="en-GB" b="1" dirty="0" smtClean="0">
+                <a:latin typeface="+mj-lt"/>
+              </a:rPr>
+              <a:t>TRAVEL </a:t>
+            </a:r>
+            <a:r>
+              <a:rPr lang="en-GB" b="1" dirty="0" smtClean="0">
+                <a:latin typeface="+mj-lt"/>
+              </a:rPr>
+              <a:t>key</a:t>
+            </a:r>
+            <a:r>
+              <a:rPr lang="en-GB" dirty="0" smtClean="0">
+                <a:latin typeface="+mj-lt"/>
+              </a:rPr>
+              <a:t>’), as well as a set of </a:t>
+            </a:r>
+            <a:r>
+              <a:rPr lang="en-GB" dirty="0" smtClean="0">
+                <a:latin typeface="+mj-lt"/>
+              </a:rPr>
+              <a:t>other </a:t>
+            </a:r>
+            <a:r>
+              <a:rPr lang="en-GB" dirty="0" smtClean="0">
+                <a:latin typeface="+mj-lt"/>
+              </a:rPr>
+              <a:t>keys you must </a:t>
+            </a:r>
+            <a:r>
+              <a:rPr lang="en-GB" dirty="0" smtClean="0">
+                <a:latin typeface="+mj-lt"/>
+              </a:rPr>
+              <a:t>persistently hold </a:t>
+            </a:r>
+            <a:r>
+              <a:rPr lang="en-GB" dirty="0" smtClean="0">
+                <a:latin typeface="+mj-lt"/>
+              </a:rPr>
+              <a:t>down (the ‘</a:t>
+            </a:r>
+            <a:r>
+              <a:rPr lang="en-GB" b="1" dirty="0" smtClean="0">
+                <a:latin typeface="+mj-lt"/>
+              </a:rPr>
+              <a:t>hold-down keys</a:t>
+            </a:r>
+            <a:r>
+              <a:rPr lang="en-GB" dirty="0" smtClean="0">
+                <a:latin typeface="+mj-lt"/>
+              </a:rPr>
+              <a:t>’), in order to move rightward on the screen.</a:t>
             </a:r>
           </a:p>
           <a:p>
@@ -3288,7 +3408,11 @@
             </a:r>
             <a:r>
               <a:rPr lang="en-GB" b="1" dirty="0"/>
-              <a:t>(the ‘HARVEST’ key) </a:t>
+              <a:t>(the ‘</a:t>
+            </a:r>
+            <a:r>
+              <a:rPr lang="en-GB" b="1" dirty="0" smtClean="0"/>
+              <a:t>HARVEST key’) </a:t>
             </a:r>
             <a:r>
               <a:rPr lang="en-GB" dirty="0"/>
@@ -3305,25 +3429,7 @@
               <a:rPr lang="en-GB" dirty="0" smtClean="0">
                 <a:latin typeface="+mj-lt"/>
               </a:rPr>
-              <a:t>Prior </a:t>
-            </a:r>
-            <a:r>
-              <a:rPr lang="en-GB" dirty="0" smtClean="0">
-                <a:latin typeface="+mj-lt"/>
-              </a:rPr>
-              <a:t>to each round, you will be informed of the travel </a:t>
-            </a:r>
-            <a:r>
-              <a:rPr lang="en-GB" dirty="0" smtClean="0">
-                <a:latin typeface="+mj-lt"/>
-              </a:rPr>
-              <a:t>keys </a:t>
-            </a:r>
-            <a:r>
-              <a:rPr lang="en-GB" dirty="0" smtClean="0">
-                <a:latin typeface="+mj-lt"/>
-              </a:rPr>
-              <a:t>and the harvest key for that round.</a:t>
+              <a:t>Prior to each round, you will be informed of the travel keys and the harvest key for that round.</a:t>
             </a:r>
           </a:p>
         </p:txBody>
@@ -3377,106 +3483,202 @@
         </p:nvSpPr>
         <p:spPr>
           <a:xfrm>
-            <a:off x="584649" y="1674271"/>
+            <a:off x="462869" y="571661"/>
             <a:ext cx="4239406" cy="4235939"/>
           </a:xfrm>
         </p:spPr>
         <p:txBody>
           <a:bodyPr>
-            <a:normAutofit fontScale="55000" lnSpcReduction="20000"/>
+            <a:noAutofit/>
           </a:bodyPr>
           <a:lstStyle/>
           <a:p>
             <a:r>
-              <a:rPr lang="en-GB" dirty="0">
+              <a:rPr lang="en-GB" sz="1500" dirty="0">
                 <a:latin typeface="+mj-lt"/>
               </a:rPr>
               <a:t>Each round will start with you on the left side of the </a:t>
             </a:r>
             <a:r>
-              <a:rPr lang="en-GB" dirty="0" smtClean="0">
+              <a:rPr lang="en-GB" sz="1500" dirty="0" smtClean="0">
                 <a:latin typeface="+mj-lt"/>
               </a:rPr>
               <a:t>screen </a:t>
             </a:r>
             <a:r>
-              <a:rPr lang="en-GB" dirty="0">
+              <a:rPr lang="en-GB" sz="1500" dirty="0">
                 <a:latin typeface="+mj-lt"/>
               </a:rPr>
               <a:t>and a tree some distance </a:t>
             </a:r>
             <a:r>
-              <a:rPr lang="en-GB" dirty="0" smtClean="0">
+              <a:rPr lang="en-GB" sz="1500" dirty="0" smtClean="0">
                 <a:latin typeface="+mj-lt"/>
               </a:rPr>
               <a:t>ahead of </a:t>
             </a:r>
             <a:r>
-              <a:rPr lang="en-GB" dirty="0">
+              <a:rPr lang="en-GB" sz="1500" dirty="0">
                 <a:latin typeface="+mj-lt"/>
               </a:rPr>
               <a:t>you. </a:t>
             </a:r>
-            <a:endParaRPr lang="en-GB" dirty="0" smtClean="0">
+            <a:endParaRPr lang="en-GB" sz="1500" dirty="0" smtClean="0">
               <a:latin typeface="+mj-lt"/>
             </a:endParaRPr>
           </a:p>
           <a:p>
             <a:r>
-              <a:rPr lang="en-GB" dirty="0" smtClean="0">
-                <a:latin typeface="+mj-lt"/>
-              </a:rPr>
-              <a:t>In order to travel toward the tree, you will need to repeatedly press the travel key (pressing up and down repeatedly), while steadily holding down the three hold-down keys. Which key you must press and which keys you keep h down will change between rounds.</a:t>
-            </a:r>
-          </a:p>
-          <a:p>
-            <a:r>
-              <a:rPr lang="en-GB" dirty="0" smtClean="0">
-                <a:latin typeface="+mj-lt"/>
-              </a:rPr>
-              <a:t>You will need to press the travel key up and down repeatedly in order to move toward the tree. Pressing the travel key will only move you forward if the three hold-down keys are also being pressed down. These three keys should be pressed down once and then held down for the duration of multiple travel key presses.</a:t>
-            </a:r>
-            <a:endParaRPr lang="en-GB" dirty="0" smtClean="0">
-              <a:latin typeface="+mj-lt"/>
-            </a:endParaRPr>
-          </a:p>
-          <a:p>
-            <a:r>
-              <a:rPr lang="en-GB" b="0" dirty="0" smtClean="0">
+              <a:rPr lang="en-GB" sz="1500" dirty="0" smtClean="0">
+                <a:latin typeface="+mj-lt"/>
+              </a:rPr>
+              <a:t>In order to travel toward the tree, you will need to repeatedly press the </a:t>
+            </a:r>
+            <a:r>
+              <a:rPr lang="en-GB" sz="1500" dirty="0" smtClean="0">
+                <a:latin typeface="+mj-lt"/>
+              </a:rPr>
+              <a:t>travel </a:t>
+            </a:r>
+            <a:r>
+              <a:rPr lang="en-GB" sz="1500" dirty="0" smtClean="0">
+                <a:latin typeface="+mj-lt"/>
+              </a:rPr>
+              <a:t>key (pressing up and down repeatedly), while steadily holding down the </a:t>
+            </a:r>
+            <a:r>
+              <a:rPr lang="en-GB" sz="1500" dirty="0" smtClean="0">
+                <a:latin typeface="+mj-lt"/>
+              </a:rPr>
+              <a:t>hold-down keys. </a:t>
+            </a:r>
+            <a:r>
+              <a:rPr lang="en-GB" sz="1500" dirty="0" smtClean="0">
+                <a:latin typeface="+mj-lt"/>
+              </a:rPr>
+              <a:t>Which key you must press and which keys you </a:t>
+            </a:r>
+            <a:r>
+              <a:rPr lang="en-GB" sz="1500" dirty="0" smtClean="0">
+                <a:latin typeface="+mj-lt"/>
+              </a:rPr>
+              <a:t>must keep</a:t>
+            </a:r>
+            <a:r>
+              <a:rPr lang="en-GB" sz="1500" dirty="0" smtClean="0">
+                <a:latin typeface="+mj-lt"/>
+              </a:rPr>
+              <a:t> down </a:t>
+            </a:r>
+            <a:r>
+              <a:rPr lang="en-GB" sz="1500" dirty="0" smtClean="0">
+                <a:latin typeface="+mj-lt"/>
+              </a:rPr>
+              <a:t>will change between rounds.</a:t>
+            </a:r>
+          </a:p>
+          <a:p>
+            <a:r>
+              <a:rPr lang="en-GB" sz="1500" dirty="0" smtClean="0">
+                <a:latin typeface="+mj-lt"/>
+              </a:rPr>
+              <a:t>When you successfully are pressing down the hold-down keys, you will see a floor appear below your character in orange.</a:t>
+            </a:r>
+          </a:p>
+          <a:p>
+            <a:r>
+              <a:rPr lang="en-GB" sz="1500" dirty="0" smtClean="0">
+                <a:latin typeface="+mj-lt"/>
+              </a:rPr>
+              <a:t>You </a:t>
+            </a:r>
+            <a:r>
+              <a:rPr lang="en-GB" sz="1500" dirty="0" smtClean="0">
+                <a:latin typeface="+mj-lt"/>
+              </a:rPr>
+              <a:t>will need to press the travel key up and down repeatedly in order to move toward the tree. Pressing the travel key will only move you forward if the </a:t>
+            </a:r>
+            <a:r>
+              <a:rPr lang="en-GB" sz="1500" dirty="0" smtClean="0">
+                <a:latin typeface="+mj-lt"/>
+              </a:rPr>
+              <a:t>hold-down </a:t>
+            </a:r>
+            <a:r>
+              <a:rPr lang="en-GB" sz="1500" dirty="0" smtClean="0">
+                <a:latin typeface="+mj-lt"/>
+              </a:rPr>
+              <a:t>keys are also being pressed </a:t>
+            </a:r>
+            <a:r>
+              <a:rPr lang="en-GB" sz="1500" dirty="0" smtClean="0">
+                <a:latin typeface="+mj-lt"/>
+              </a:rPr>
+              <a:t>down (and the floor is visible). </a:t>
+            </a:r>
+            <a:r>
+              <a:rPr lang="en-GB" sz="1500" dirty="0" smtClean="0">
+                <a:latin typeface="+mj-lt"/>
+              </a:rPr>
+              <a:t>These </a:t>
+            </a:r>
+            <a:r>
+              <a:rPr lang="en-GB" sz="1500" dirty="0" smtClean="0">
+                <a:latin typeface="+mj-lt"/>
+              </a:rPr>
+              <a:t>keys </a:t>
+            </a:r>
+            <a:r>
+              <a:rPr lang="en-GB" sz="1500" dirty="0" smtClean="0">
+                <a:latin typeface="+mj-lt"/>
+              </a:rPr>
+              <a:t>should be pressed down once and then held down for the duration of multiple travel key presses.</a:t>
+            </a:r>
+          </a:p>
+          <a:p>
+            <a:r>
+              <a:rPr lang="en-GB" sz="1500" b="0" dirty="0" smtClean="0">
                 <a:effectLst/>
                 <a:latin typeface="+mj-lt"/>
               </a:rPr>
               <a:t>The </a:t>
             </a:r>
             <a:r>
-              <a:rPr lang="en-GB" b="1" dirty="0" smtClean="0">
+              <a:rPr lang="en-GB" sz="1500" b="1" dirty="0" smtClean="0">
                 <a:effectLst/>
                 <a:latin typeface="+mj-lt"/>
               </a:rPr>
               <a:t>speed</a:t>
             </a:r>
             <a:r>
-              <a:rPr lang="en-GB" b="0" dirty="0" smtClean="0">
+              <a:rPr lang="en-GB" sz="1500" b="0" dirty="0" smtClean="0">
                 <a:effectLst/>
                 <a:latin typeface="+mj-lt"/>
               </a:rPr>
               <a:t> with which you travel to the tree will depend on </a:t>
             </a:r>
             <a:r>
-              <a:rPr lang="en-GB" b="1" dirty="0" smtClean="0">
+              <a:rPr lang="en-GB" sz="1500" b="1" dirty="0" smtClean="0">
                 <a:effectLst/>
                 <a:latin typeface="+mj-lt"/>
               </a:rPr>
-              <a:t>how fast you repeatedly </a:t>
-            </a:r>
-            <a:r>
-              <a:rPr lang="en-GB" b="1" dirty="0" smtClean="0">
+              <a:t>how fast you repeatedly press the travel key while keeping the </a:t>
+            </a:r>
+            <a:r>
+              <a:rPr lang="en-GB" sz="1500" b="1" dirty="0" smtClean="0">
                 <a:effectLst/>
                 <a:latin typeface="+mj-lt"/>
               </a:rPr>
-              <a:t>press the travel key while keeping the three hold-down pressed down. </a:t>
-            </a:r>
-            <a:endParaRPr lang="en-GB" dirty="0"/>
+              <a:t>hold-down keys </a:t>
+            </a:r>
+            <a:r>
+              <a:rPr lang="en-GB" sz="1500" b="1" dirty="0" smtClean="0">
+                <a:effectLst/>
+                <a:latin typeface="+mj-lt"/>
+              </a:rPr>
+              <a:t>pressed down. </a:t>
+            </a:r>
+            <a:endParaRPr lang="en-GB" sz="1500" dirty="0"/>
           </a:p>
         </p:txBody>
       </p:sp>
@@ -3625,8 +3827,20 @@
           <a:lstStyle/>
           <a:p>
             <a:r>
+              <a:rPr lang="en-GB" sz="900" dirty="0" smtClean="0"/>
+              <a:t>Repeatedly pressing </a:t>
+            </a:r>
+            <a:r>
               <a:rPr lang="en-GB" sz="900" dirty="0"/>
-              <a:t>Entering the four-key travel sequence repeatedly will move you toward the tree.</a:t>
+              <a:t>the </a:t>
+            </a:r>
+            <a:r>
+              <a:rPr lang="en-GB" sz="900" dirty="0" smtClean="0"/>
+              <a:t>travel key while holding down the hold-down keys will </a:t>
+            </a:r>
+            <a:r>
+              <a:rPr lang="en-GB" sz="900" dirty="0"/>
+              <a:t>move you toward the tree.</a:t>
             </a:r>
           </a:p>
         </p:txBody>
@@ -3753,13 +3967,7 @@
               <a:rPr lang="en-GB" dirty="0" smtClean="0">
                 <a:latin typeface="+mj-lt"/>
               </a:rPr>
-              <a:t>. </a:t>
-            </a:r>
-            <a:r>
-              <a:rPr lang="en-GB" dirty="0" smtClean="0">
-                <a:latin typeface="+mj-lt"/>
-              </a:rPr>
-              <a:t>This will </a:t>
+              <a:t>. This will </a:t>
             </a:r>
             <a:r>
               <a:rPr lang="en-GB" dirty="0">
@@ -4239,9 +4447,6 @@
               </a:rPr>
               <a:t>. </a:t>
             </a:r>
-            <a:endParaRPr lang="en-GB" dirty="0" smtClean="0">
-              <a:latin typeface="+mj-lt"/>
-            </a:endParaRPr>
           </a:p>
           <a:p>
             <a:r>
@@ -4316,11 +4521,20 @@
               <a:rPr lang="en-GB" dirty="0" smtClean="0">
                 <a:latin typeface="+mj-lt"/>
               </a:rPr>
-              <a:t>by pressing down the three hold-down keys and repeatedly pressing up and down the travel-key.</a:t>
-            </a:r>
-            <a:endParaRPr lang="en-GB" dirty="0" smtClean="0">
-              <a:latin typeface="+mj-lt"/>
-            </a:endParaRPr>
+              <a:t>by pressing down the </a:t>
+            </a:r>
+            <a:r>
+              <a:rPr lang="en-GB" dirty="0" smtClean="0">
+                <a:latin typeface="+mj-lt"/>
+              </a:rPr>
+              <a:t>hold-down </a:t>
+            </a:r>
+            <a:r>
+              <a:rPr lang="en-GB" dirty="0" smtClean="0">
+                <a:latin typeface="+mj-lt"/>
+              </a:rPr>
+              <a:t>keys and repeatedly pressing up and down the travel-key.</a:t>
+            </a:r>
           </a:p>
           <a:p>
             <a:r>
@@ -4478,7 +4692,7 @@
         </p:spPr>
         <p:txBody>
           <a:bodyPr>
-            <a:normAutofit fontScale="92500" lnSpcReduction="20000"/>
+            <a:normAutofit fontScale="85000" lnSpcReduction="20000"/>
           </a:bodyPr>
           <a:lstStyle/>
           <a:p>
@@ -4486,19 +4700,25 @@
               <a:rPr lang="en-GB" dirty="0" smtClean="0">
                 <a:latin typeface="+mj-lt"/>
               </a:rPr>
-              <a:t>For all the rounds, regardless of the particular </a:t>
-            </a:r>
-            <a:r>
-              <a:rPr lang="en-GB" dirty="0" smtClean="0">
-                <a:latin typeface="+mj-lt"/>
-              </a:rPr>
-              <a:t>travel key and hold-down and harvest keys, </a:t>
-            </a:r>
-            <a:r>
-              <a:rPr lang="en-GB" dirty="0" smtClean="0">
-                <a:latin typeface="+mj-lt"/>
-              </a:rPr>
-              <a:t>please </a:t>
+              <a:t>For all the rounds, regardless of the particular travel </a:t>
+            </a:r>
+            <a:r>
+              <a:rPr lang="en-GB" dirty="0" smtClean="0">
+                <a:latin typeface="+mj-lt"/>
+              </a:rPr>
+              <a:t>key, hold-down keys, </a:t>
+            </a:r>
+            <a:r>
+              <a:rPr lang="en-GB" dirty="0" smtClean="0">
+                <a:latin typeface="+mj-lt"/>
+              </a:rPr>
+              <a:t>and harvest </a:t>
+            </a:r>
+            <a:r>
+              <a:rPr lang="en-GB" dirty="0" smtClean="0">
+                <a:latin typeface="+mj-lt"/>
+              </a:rPr>
+              <a:t>key, it is very important that you </a:t>
             </a:r>
             <a:r>
               <a:rPr lang="en-GB" dirty="0" smtClean="0">
@@ -4525,20 +4745,74 @@
               <a:rPr lang="en-GB" dirty="0" smtClean="0">
                 <a:latin typeface="+mj-lt"/>
               </a:rPr>
+              <a:t> for the ‘A’ key, </a:t>
+            </a:r>
+          </a:p>
+          <a:p>
+            <a:pPr lvl="1"/>
+            <a:r>
+              <a:rPr lang="en-GB" dirty="0" smtClean="0">
+                <a:latin typeface="+mj-lt"/>
+              </a:rPr>
+              <a:t>left index finger for the ‘F’ key, </a:t>
+            </a:r>
+          </a:p>
+          <a:p>
+            <a:pPr lvl="1"/>
+            <a:r>
+              <a:rPr lang="en-GB" dirty="0" smtClean="0">
+                <a:latin typeface="+mj-lt"/>
+              </a:rPr>
+              <a:t>left middle </a:t>
+            </a:r>
+            <a:r>
+              <a:rPr lang="en-GB" dirty="0" smtClean="0">
+                <a:latin typeface="+mj-lt"/>
+              </a:rPr>
+              <a:t>finger </a:t>
+            </a:r>
+            <a:r>
+              <a:rPr lang="en-GB" dirty="0" smtClean="0">
+                <a:latin typeface="+mj-lt"/>
+              </a:rPr>
+              <a:t>for the </a:t>
+            </a:r>
+            <a:r>
+              <a:rPr lang="en-GB" dirty="0" smtClean="0">
+                <a:latin typeface="+mj-lt"/>
+              </a:rPr>
+              <a:t>‘E’ </a:t>
+            </a:r>
+            <a:r>
+              <a:rPr lang="en-GB" dirty="0" smtClean="0">
+                <a:latin typeface="+mj-lt"/>
+              </a:rPr>
+              <a:t>key</a:t>
+            </a:r>
+            <a:r>
+              <a:rPr lang="en-GB" dirty="0" smtClean="0">
+                <a:latin typeface="+mj-lt"/>
+              </a:rPr>
+              <a:t>,</a:t>
+            </a:r>
+          </a:p>
+          <a:p>
+            <a:pPr lvl="1"/>
+            <a:r>
+              <a:rPr lang="en-GB" dirty="0" smtClean="0">
+                <a:latin typeface="+mj-lt"/>
+              </a:rPr>
+              <a:t>left index finger for the ‘T’ key,</a:t>
+            </a:r>
+            <a:r>
+              <a:rPr lang="en-GB" dirty="0" smtClean="0">
+                <a:latin typeface="+mj-lt"/>
+              </a:rPr>
               <a:t> </a:t>
             </a:r>
-            <a:r>
-              <a:rPr lang="en-GB" dirty="0" smtClean="0">
-                <a:latin typeface="+mj-lt"/>
-              </a:rPr>
-              <a:t>for </a:t>
-            </a:r>
-            <a:r>
-              <a:rPr lang="en-GB" dirty="0" smtClean="0">
-                <a:latin typeface="+mj-lt"/>
-              </a:rPr>
-              <a:t>the ‘A’ key, </a:t>
-            </a:r>
+            <a:endParaRPr lang="en-GB" dirty="0" smtClean="0">
+              <a:latin typeface="+mj-lt"/>
+            </a:endParaRPr>
           </a:p>
           <a:p>
             <a:pPr lvl="1"/>
@@ -4546,19 +4820,31 @@
               <a:rPr lang="en-GB" dirty="0" smtClean="0">
                 <a:latin typeface="+mj-lt"/>
               </a:rPr>
-              <a:t>left index finger </a:t>
-            </a:r>
-            <a:r>
-              <a:rPr lang="en-GB" dirty="0" smtClean="0">
-                <a:latin typeface="+mj-lt"/>
-              </a:rPr>
-              <a:t>for </a:t>
-            </a:r>
-            <a:r>
-              <a:rPr lang="en-GB" dirty="0" smtClean="0">
-                <a:latin typeface="+mj-lt"/>
-              </a:rPr>
-              <a:t>the ‘F’ key, </a:t>
+              <a:t>right </a:t>
+            </a:r>
+            <a:r>
+              <a:rPr lang="en-GB" dirty="0" smtClean="0">
+                <a:latin typeface="+mj-lt"/>
+              </a:rPr>
+              <a:t>ring finger for </a:t>
+            </a:r>
+            <a:r>
+              <a:rPr lang="en-GB" dirty="0" smtClean="0">
+                <a:latin typeface="+mj-lt"/>
+              </a:rPr>
+              <a:t>the </a:t>
+            </a:r>
+            <a:r>
+              <a:rPr lang="en-GB" dirty="0" smtClean="0">
+                <a:latin typeface="+mj-lt"/>
+              </a:rPr>
+              <a:t>‘9’ </a:t>
+            </a:r>
+            <a:r>
+              <a:rPr lang="en-GB" dirty="0" smtClean="0">
+                <a:latin typeface="+mj-lt"/>
+              </a:rPr>
+              <a:t>key and </a:t>
             </a:r>
           </a:p>
           <a:p>
@@ -4567,31 +4853,31 @@
               <a:rPr lang="en-GB" dirty="0" smtClean="0">
                 <a:latin typeface="+mj-lt"/>
               </a:rPr>
-              <a:t>right index finger </a:t>
-            </a:r>
-            <a:r>
-              <a:rPr lang="en-GB" dirty="0" smtClean="0">
-                <a:latin typeface="+mj-lt"/>
-              </a:rPr>
-              <a:t>for </a:t>
-            </a:r>
-            <a:r>
-              <a:rPr lang="en-GB" dirty="0" smtClean="0">
-                <a:latin typeface="+mj-lt"/>
-              </a:rPr>
-              <a:t>the </a:t>
-            </a:r>
-            <a:r>
-              <a:rPr lang="en-GB" dirty="0" smtClean="0">
-                <a:latin typeface="+mj-lt"/>
-              </a:rPr>
-              <a:t>‘U’ </a:t>
-            </a:r>
-            <a:r>
-              <a:rPr lang="en-GB" dirty="0" smtClean="0">
-                <a:latin typeface="+mj-lt"/>
-              </a:rPr>
-              <a:t>key, </a:t>
+              <a:t>right </a:t>
+            </a:r>
+            <a:r>
+              <a:rPr lang="en-GB" dirty="0" err="1" smtClean="0">
+                <a:latin typeface="+mj-lt"/>
+              </a:rPr>
+              <a:t>pinky</a:t>
+            </a:r>
+            <a:r>
+              <a:rPr lang="en-GB" dirty="0" smtClean="0">
+                <a:latin typeface="+mj-lt"/>
+              </a:rPr>
+              <a:t>  for the ‘0’ </a:t>
+            </a:r>
+            <a:r>
+              <a:rPr lang="en-GB" dirty="0" smtClean="0">
+                <a:latin typeface="+mj-lt"/>
+              </a:rPr>
+              <a:t>key</a:t>
+            </a:r>
+            <a:r>
+              <a:rPr lang="en-GB" dirty="0" smtClean="0">
+                <a:latin typeface="+mj-lt"/>
+              </a:rPr>
+              <a:t>.</a:t>
             </a:r>
           </a:p>
           <a:p>
@@ -4600,37 +4886,7 @@
               <a:rPr lang="en-GB" dirty="0" smtClean="0">
                 <a:latin typeface="+mj-lt"/>
               </a:rPr>
-              <a:t>right </a:t>
-            </a:r>
-            <a:r>
-              <a:rPr lang="en-GB" dirty="0" err="1" smtClean="0">
-                <a:latin typeface="+mj-lt"/>
-              </a:rPr>
-              <a:t>pinky</a:t>
-            </a:r>
-            <a:r>
-              <a:rPr lang="en-GB" dirty="0" smtClean="0">
-                <a:latin typeface="+mj-lt"/>
-              </a:rPr>
-              <a:t> for </a:t>
-            </a:r>
-            <a:r>
-              <a:rPr lang="en-GB" dirty="0" smtClean="0">
-                <a:latin typeface="+mj-lt"/>
-              </a:rPr>
-              <a:t>the </a:t>
-            </a:r>
-            <a:r>
-              <a:rPr lang="en-GB" dirty="0" smtClean="0">
-                <a:latin typeface="+mj-lt"/>
-              </a:rPr>
-              <a:t>‘P’ </a:t>
-            </a:r>
-            <a:r>
-              <a:rPr lang="en-GB" dirty="0" smtClean="0">
-                <a:latin typeface="+mj-lt"/>
-              </a:rPr>
-              <a:t>key and </a:t>
+              <a:t>right thumb for the ‘M’ key</a:t>
             </a:r>
           </a:p>
           <a:p>
@@ -4639,32 +4895,11 @@
               <a:rPr lang="en-GB" dirty="0" smtClean="0">
                 <a:latin typeface="+mj-lt"/>
               </a:rPr>
-              <a:t>right </a:t>
-            </a:r>
-            <a:r>
-              <a:rPr lang="en-GB" dirty="0" smtClean="0">
-                <a:latin typeface="+mj-lt"/>
-              </a:rPr>
-              <a:t>index for </a:t>
-            </a:r>
-            <a:r>
-              <a:rPr lang="en-GB" dirty="0" smtClean="0">
-                <a:latin typeface="+mj-lt"/>
-              </a:rPr>
-              <a:t>the </a:t>
-            </a:r>
-            <a:r>
-              <a:rPr lang="en-GB" dirty="0" smtClean="0">
-                <a:latin typeface="+mj-lt"/>
-              </a:rPr>
-              <a:t>‘J’ </a:t>
-            </a:r>
-            <a:r>
-              <a:rPr lang="en-GB" dirty="0" smtClean="0">
-                <a:latin typeface="+mj-lt"/>
-              </a:rPr>
-              <a:t>key.</a:t>
-            </a:r>
+              <a:t>right index for the ‘U’ key</a:t>
+            </a:r>
+            <a:endParaRPr lang="en-GB" dirty="0" smtClean="0">
+              <a:latin typeface="+mj-lt"/>
+            </a:endParaRPr>
           </a:p>
           <a:p>
             <a:pPr lvl="1"/>
@@ -4678,13 +4913,13 @@
               <a:rPr lang="en-GB" dirty="0" smtClean="0">
                 <a:latin typeface="+mj-lt"/>
               </a:rPr>
-              <a:t>Let’s try a short practice </a:t>
-            </a:r>
-            <a:r>
-              <a:rPr lang="en-GB" dirty="0" smtClean="0">
-                <a:latin typeface="+mj-lt"/>
-              </a:rPr>
-              <a:t>round, which will last 45 seconds. </a:t>
+              <a:t>Let’s try a short practice round, which will last </a:t>
+            </a:r>
+            <a:r>
+              <a:rPr lang="en-GB" dirty="0" smtClean="0">
+                <a:latin typeface="+mj-lt"/>
+              </a:rPr>
+              <a:t>1 minute. </a:t>
             </a:r>
             <a:r>
               <a:rPr lang="en-GB" dirty="0" smtClean="0">
@@ -4702,7 +4937,13 @@
               <a:rPr lang="en-GB" dirty="0" smtClean="0">
                 <a:latin typeface="+mj-lt"/>
               </a:rPr>
-              <a:t>round, in order to travel, you will need to repeatedly press the ‘F’ key (left index), while keeping the following keys held-down: ‘A’, ‘U’ and ‘P’ (with left </a:t>
+              <a:t>round, in order to travel, you will need to repeatedly press the ‘F’ key (left index), while keeping the following keys held-down: ‘A</a:t>
+            </a:r>
+            <a:r>
+              <a:rPr lang="en-GB" dirty="0" smtClean="0">
+                <a:latin typeface="+mj-lt"/>
+              </a:rPr>
+              <a:t>’, (with left </a:t>
             </a:r>
             <a:r>
               <a:rPr lang="en-GB" dirty="0" err="1" smtClean="0">
@@ -4714,7 +4955,13 @@
               <a:rPr lang="en-GB" dirty="0" smtClean="0">
                 <a:latin typeface="+mj-lt"/>
               </a:rPr>
-              <a:t>, right index and right </a:t>
+              <a:t>) ‘9’ and ‘0’ (with right </a:t>
+            </a:r>
+            <a:r>
+              <a:rPr lang="en-GB" dirty="0" smtClean="0">
+                <a:latin typeface="+mj-lt"/>
+              </a:rPr>
+              <a:t>ring and </a:t>
             </a:r>
             <a:r>
               <a:rPr lang="en-GB" dirty="0" err="1" smtClean="0">
@@ -4726,8 +4973,11 @@
               <a:rPr lang="en-GB" dirty="0" smtClean="0">
                 <a:latin typeface="+mj-lt"/>
               </a:rPr>
-              <a:t> respectively). </a:t>
-            </a:r>
+              <a:t>), ‘M’ (with right thumb).</a:t>
+            </a:r>
+            <a:endParaRPr lang="en-GB" dirty="0" smtClean="0">
+              <a:latin typeface="+mj-lt"/>
+            </a:endParaRPr>
           </a:p>
           <a:p>
             <a:r>
@@ -4746,13 +4996,19 @@
               <a:rPr lang="en-GB" dirty="0" smtClean="0">
                 <a:latin typeface="+mj-lt"/>
               </a:rPr>
-              <a:t>you will press ‘J</a:t>
-            </a:r>
-            <a:r>
-              <a:rPr lang="en-GB" dirty="0" smtClean="0">
-                <a:latin typeface="+mj-lt"/>
-              </a:rPr>
-              <a:t>’. To </a:t>
+              <a:t>you will press </a:t>
+            </a:r>
+            <a:r>
+              <a:rPr lang="en-GB" dirty="0" smtClean="0">
+                <a:latin typeface="+mj-lt"/>
+              </a:rPr>
+              <a:t>‘U’ (right index). </a:t>
+            </a:r>
+            <a:r>
+              <a:rPr lang="en-GB" dirty="0" smtClean="0">
+                <a:latin typeface="+mj-lt"/>
+              </a:rPr>
+              <a:t>To </a:t>
             </a:r>
             <a:r>
               <a:rPr lang="en-GB" dirty="0">
@@ -4862,7 +5118,19 @@
               <a:rPr lang="en-GB" dirty="0" smtClean="0">
                 <a:latin typeface="+mj-lt"/>
               </a:rPr>
-              <a:t>Let’s practice a round now with the other travel key and hold-down keys.</a:t>
+              <a:t>Let’s practice </a:t>
+            </a:r>
+            <a:r>
+              <a:rPr lang="en-GB" dirty="0" smtClean="0">
+                <a:latin typeface="+mj-lt"/>
+              </a:rPr>
+              <a:t>another </a:t>
+            </a:r>
+            <a:r>
+              <a:rPr lang="en-GB" dirty="0" smtClean="0">
+                <a:latin typeface="+mj-lt"/>
+              </a:rPr>
+              <a:t>round now with the other travel key and hold-down keys.</a:t>
             </a:r>
             <a:endParaRPr lang="en-GB" b="0" dirty="0" smtClean="0">
               <a:effectLst/>
@@ -4886,7 +5154,37 @@
               <a:rPr lang="en-GB" dirty="0" smtClean="0">
                 <a:latin typeface="+mj-lt"/>
               </a:rPr>
-              <a:t>), while keeping the following keys held-down: ‘F’, ‘U’ and ‘P’ (with left index, right index and right </a:t>
+              <a:t>), while keeping the following keys held-down: </a:t>
+            </a:r>
+            <a:r>
+              <a:rPr lang="en-GB" dirty="0" smtClean="0">
+                <a:latin typeface="+mj-lt"/>
+              </a:rPr>
+              <a:t>‘</a:t>
+            </a:r>
+            <a:r>
+              <a:rPr lang="en-GB" dirty="0" smtClean="0">
+                <a:latin typeface="+mj-lt"/>
+              </a:rPr>
+              <a:t>E’</a:t>
+            </a:r>
+            <a:r>
+              <a:rPr lang="en-GB" dirty="0">
+                <a:latin typeface="+mj-lt"/>
+              </a:rPr>
+              <a:t> </a:t>
+            </a:r>
+            <a:r>
+              <a:rPr lang="en-GB" dirty="0" smtClean="0">
+                <a:latin typeface="+mj-lt"/>
+              </a:rPr>
+              <a:t>(left middle)</a:t>
+            </a:r>
+            <a:r>
+              <a:rPr lang="en-GB" dirty="0" smtClean="0">
+                <a:latin typeface="+mj-lt"/>
+              </a:rPr>
+              <a:t> ‘T’ (left index), ‘9’ (right ring), ‘0’ (right </a:t>
             </a:r>
             <a:r>
               <a:rPr lang="en-GB" dirty="0" err="1" smtClean="0">
@@ -4898,15 +5196,45 @@
               <a:rPr lang="en-GB" dirty="0" smtClean="0">
                 <a:latin typeface="+mj-lt"/>
               </a:rPr>
-              <a:t> respectively). </a:t>
-            </a:r>
-          </a:p>
-          <a:p>
-            <a:r>
-              <a:rPr lang="en-GB" dirty="0" smtClean="0">
-                <a:latin typeface="+mj-lt"/>
-              </a:rPr>
-              <a:t>To HARVEST you will press ‘J’. To collect points when you are at a tree, you will need to press this repeatedly.</a:t>
+              <a:t>), ‘M’ (right middle). </a:t>
+            </a:r>
+          </a:p>
+          <a:p>
+            <a:r>
+              <a:rPr lang="en-GB" dirty="0" smtClean="0">
+                <a:latin typeface="+mj-lt"/>
+              </a:rPr>
+              <a:t>To </a:t>
+            </a:r>
+            <a:r>
+              <a:rPr lang="en-GB" dirty="0" smtClean="0">
+                <a:latin typeface="+mj-lt"/>
+              </a:rPr>
+              <a:t>HARVEST you </a:t>
+            </a:r>
+            <a:r>
+              <a:rPr lang="en-GB" dirty="0" smtClean="0">
+                <a:latin typeface="+mj-lt"/>
+              </a:rPr>
+              <a:t>will again </a:t>
+            </a:r>
+            <a:r>
+              <a:rPr lang="en-GB" dirty="0" smtClean="0">
+                <a:latin typeface="+mj-lt"/>
+              </a:rPr>
+              <a:t>press </a:t>
+            </a:r>
+            <a:r>
+              <a:rPr lang="en-GB" dirty="0" smtClean="0">
+                <a:latin typeface="+mj-lt"/>
+              </a:rPr>
+              <a:t>‘U’ (right index). </a:t>
+            </a:r>
+            <a:r>
+              <a:rPr lang="en-GB" dirty="0" smtClean="0">
+                <a:latin typeface="+mj-lt"/>
+              </a:rPr>
+              <a:t>To collect points when you are at a tree, you will need to press this repeatedly.</a:t>
             </a:r>
           </a:p>
           <a:p>
@@ -5021,59 +5349,170 @@
               <a:rPr lang="en-GB" dirty="0">
                 <a:latin typeface="+mj-lt"/>
               </a:rPr>
-              <a:t>The HARVEST key will always be J.</a:t>
-            </a:r>
-          </a:p>
-          <a:p>
-            <a:pPr lvl="1"/>
-            <a:r>
-              <a:rPr lang="en-GB" dirty="0">
-                <a:latin typeface="+mj-lt"/>
-              </a:rPr>
-              <a:t>The TRAVEL </a:t>
-            </a:r>
-            <a:r>
-              <a:rPr lang="en-GB" dirty="0" smtClean="0">
-                <a:latin typeface="+mj-lt"/>
-              </a:rPr>
-              <a:t>key will sometimes be A </a:t>
-            </a:r>
-            <a:r>
-              <a:rPr lang="en-GB" dirty="0" smtClean="0">
-                <a:latin typeface="+mj-lt"/>
-              </a:rPr>
-              <a:t>with hold-down keys F, U and P.</a:t>
-            </a:r>
-            <a:r>
-              <a:rPr lang="en-GB" dirty="0" smtClean="0">
-                <a:latin typeface="+mj-lt"/>
-              </a:rPr>
-              <a:t> </a:t>
-            </a:r>
-          </a:p>
-          <a:p>
-            <a:pPr lvl="1"/>
-            <a:r>
-              <a:rPr lang="en-GB" dirty="0" smtClean="0">
-                <a:latin typeface="+mj-lt"/>
-              </a:rPr>
-              <a:t>Other </a:t>
-            </a:r>
-            <a:r>
-              <a:rPr lang="en-GB" dirty="0">
-                <a:latin typeface="+mj-lt"/>
-              </a:rPr>
-              <a:t>times the TRAVEL </a:t>
-            </a:r>
-            <a:r>
-              <a:rPr lang="en-GB" dirty="0" smtClean="0">
-                <a:latin typeface="+mj-lt"/>
-              </a:rPr>
-              <a:t>key will be F, with hold-down keys A, U and P.</a:t>
+              <a:t>The HARVEST key will always be </a:t>
+            </a:r>
+            <a:r>
+              <a:rPr lang="en-GB" dirty="0" smtClean="0">
+                <a:latin typeface="+mj-lt"/>
+              </a:rPr>
+              <a:t>U.</a:t>
             </a:r>
             <a:endParaRPr lang="en-GB" dirty="0">
               <a:latin typeface="+mj-lt"/>
             </a:endParaRPr>
+          </a:p>
+          <a:p>
+            <a:pPr lvl="1"/>
+            <a:r>
+              <a:rPr lang="en-GB" dirty="0">
+                <a:latin typeface="+mj-lt"/>
+              </a:rPr>
+              <a:t>The TRAVEL </a:t>
+            </a:r>
+            <a:r>
+              <a:rPr lang="en-GB" dirty="0" smtClean="0">
+                <a:latin typeface="+mj-lt"/>
+              </a:rPr>
+              <a:t>key will sometimes be </a:t>
+            </a:r>
+            <a:r>
+              <a:rPr lang="en-GB" dirty="0" smtClean="0">
+                <a:latin typeface="+mj-lt"/>
+              </a:rPr>
+              <a:t>A (left </a:t>
+            </a:r>
+            <a:r>
+              <a:rPr lang="en-GB" dirty="0" err="1" smtClean="0">
+                <a:latin typeface="+mj-lt"/>
+              </a:rPr>
+              <a:t>pinky</a:t>
+            </a:r>
+            <a:r>
+              <a:rPr lang="en-GB" dirty="0" smtClean="0">
+                <a:latin typeface="+mj-lt"/>
+              </a:rPr>
+              <a:t>) </a:t>
+            </a:r>
+            <a:r>
+              <a:rPr lang="en-GB" dirty="0" smtClean="0">
+                <a:latin typeface="+mj-lt"/>
+              </a:rPr>
+              <a:t>with hold-down keys </a:t>
+            </a:r>
+            <a:r>
+              <a:rPr lang="en-GB" dirty="0">
+                <a:latin typeface="+mj-lt"/>
+              </a:rPr>
+              <a:t>E</a:t>
+            </a:r>
+            <a:r>
+              <a:rPr lang="en-GB" dirty="0" smtClean="0">
+                <a:latin typeface="+mj-lt"/>
+              </a:rPr>
+              <a:t>, </a:t>
+            </a:r>
+            <a:r>
+              <a:rPr lang="en-GB" dirty="0" smtClean="0">
+                <a:latin typeface="+mj-lt"/>
+              </a:rPr>
+              <a:t>T (left middle and index)</a:t>
+            </a:r>
+            <a:r>
+              <a:rPr lang="en-GB" dirty="0" smtClean="0">
+                <a:latin typeface="+mj-lt"/>
+              </a:rPr>
+              <a:t> </a:t>
+            </a:r>
+            <a:r>
+              <a:rPr lang="en-GB" dirty="0" smtClean="0">
+                <a:latin typeface="+mj-lt"/>
+              </a:rPr>
+              <a:t>and </a:t>
+            </a:r>
+            <a:r>
+              <a:rPr lang="en-GB" dirty="0" smtClean="0">
+                <a:latin typeface="+mj-lt"/>
+              </a:rPr>
+              <a:t>M, 9, 0 (right thumb, ring finger, </a:t>
+            </a:r>
+            <a:r>
+              <a:rPr lang="en-GB" dirty="0" err="1" smtClean="0">
+                <a:latin typeface="+mj-lt"/>
+              </a:rPr>
+              <a:t>pinky</a:t>
+            </a:r>
+            <a:r>
+              <a:rPr lang="en-GB" dirty="0" smtClean="0">
+                <a:latin typeface="+mj-lt"/>
+              </a:rPr>
+              <a:t>)</a:t>
+            </a:r>
+            <a:r>
+              <a:rPr lang="en-GB" dirty="0" smtClean="0">
+                <a:latin typeface="+mj-lt"/>
+              </a:rPr>
+              <a:t>. </a:t>
+            </a:r>
+            <a:endParaRPr lang="en-GB" dirty="0" smtClean="0">
+              <a:latin typeface="+mj-lt"/>
+            </a:endParaRPr>
+          </a:p>
+          <a:p>
+            <a:pPr lvl="1" algn="just"/>
+            <a:r>
+              <a:rPr lang="en-GB" dirty="0" smtClean="0">
+                <a:latin typeface="+mj-lt"/>
+              </a:rPr>
+              <a:t>Other </a:t>
+            </a:r>
+            <a:r>
+              <a:rPr lang="en-GB" dirty="0">
+                <a:latin typeface="+mj-lt"/>
+              </a:rPr>
+              <a:t>times the TRAVEL </a:t>
+            </a:r>
+            <a:r>
+              <a:rPr lang="en-GB" dirty="0" smtClean="0">
+                <a:latin typeface="+mj-lt"/>
+              </a:rPr>
+              <a:t>key will be F, with hold-down keys </a:t>
+            </a:r>
+            <a:r>
+              <a:rPr lang="en-GB" dirty="0" smtClean="0">
+                <a:latin typeface="+mj-lt"/>
+              </a:rPr>
+              <a:t>A (left </a:t>
+            </a:r>
+            <a:r>
+              <a:rPr lang="en-GB" dirty="0" err="1" smtClean="0">
+                <a:latin typeface="+mj-lt"/>
+              </a:rPr>
+              <a:t>pinky</a:t>
+            </a:r>
+            <a:r>
+              <a:rPr lang="en-GB" dirty="0" smtClean="0">
+                <a:latin typeface="+mj-lt"/>
+              </a:rPr>
+              <a:t>) and </a:t>
+            </a:r>
+            <a:r>
+              <a:rPr lang="en-GB" dirty="0">
+                <a:latin typeface="+mj-lt"/>
+              </a:rPr>
+              <a:t>M, 9, 0 (right thumb, ring finger, </a:t>
+            </a:r>
+            <a:r>
+              <a:rPr lang="en-GB" dirty="0" err="1">
+                <a:latin typeface="+mj-lt"/>
+              </a:rPr>
+              <a:t>pinky</a:t>
+            </a:r>
+            <a:r>
+              <a:rPr lang="en-GB" dirty="0">
+                <a:latin typeface="+mj-lt"/>
+              </a:rPr>
+              <a:t>). </a:t>
+            </a:r>
           </a:p>
           <a:p>
             <a:endParaRPr lang="en-GB" dirty="0">
@@ -5144,7 +5583,13 @@
               <a:rPr lang="en-GB" sz="1950" dirty="0" smtClean="0">
                 <a:latin typeface="+mj-lt"/>
               </a:rPr>
-              <a:t>2 minutes.</a:t>
+              <a:t>2.5 </a:t>
+            </a:r>
+            <a:r>
+              <a:rPr lang="en-GB" sz="1950" dirty="0" smtClean="0">
+                <a:latin typeface="+mj-lt"/>
+              </a:rPr>
+              <a:t>minutes.</a:t>
             </a:r>
             <a:endParaRPr lang="en-GB" sz="1950" dirty="0">
               <a:latin typeface="+mj-lt"/>

--- a/public/ver_3/Stimuli/forage_instructions.pptx
+++ b/public/ver_3/Stimuli/forage_instructions.pptx
@@ -251,7 +251,7 @@
           <a:p>
             <a:fld id="{1814E929-3373-45CD-AA52-0EA1737F23A4}" type="datetimeFigureOut">
               <a:rPr lang="en-GB" smtClean="0"/>
-              <a:t>07/11/2019</a:t>
+              <a:t>11/11/2019</a:t>
             </a:fld>
             <a:endParaRPr lang="en-GB"/>
           </a:p>
@@ -421,7 +421,7 @@
           <a:p>
             <a:fld id="{1814E929-3373-45CD-AA52-0EA1737F23A4}" type="datetimeFigureOut">
               <a:rPr lang="en-GB" smtClean="0"/>
-              <a:t>07/11/2019</a:t>
+              <a:t>11/11/2019</a:t>
             </a:fld>
             <a:endParaRPr lang="en-GB"/>
           </a:p>
@@ -601,7 +601,7 @@
           <a:p>
             <a:fld id="{1814E929-3373-45CD-AA52-0EA1737F23A4}" type="datetimeFigureOut">
               <a:rPr lang="en-GB" smtClean="0"/>
-              <a:t>07/11/2019</a:t>
+              <a:t>11/11/2019</a:t>
             </a:fld>
             <a:endParaRPr lang="en-GB"/>
           </a:p>
@@ -771,7 +771,7 @@
           <a:p>
             <a:fld id="{1814E929-3373-45CD-AA52-0EA1737F23A4}" type="datetimeFigureOut">
               <a:rPr lang="en-GB" smtClean="0"/>
-              <a:t>07/11/2019</a:t>
+              <a:t>11/11/2019</a:t>
             </a:fld>
             <a:endParaRPr lang="en-GB"/>
           </a:p>
@@ -1015,7 +1015,7 @@
           <a:p>
             <a:fld id="{1814E929-3373-45CD-AA52-0EA1737F23A4}" type="datetimeFigureOut">
               <a:rPr lang="en-GB" smtClean="0"/>
-              <a:t>07/11/2019</a:t>
+              <a:t>11/11/2019</a:t>
             </a:fld>
             <a:endParaRPr lang="en-GB"/>
           </a:p>
@@ -1247,7 +1247,7 @@
           <a:p>
             <a:fld id="{1814E929-3373-45CD-AA52-0EA1737F23A4}" type="datetimeFigureOut">
               <a:rPr lang="en-GB" smtClean="0"/>
-              <a:t>07/11/2019</a:t>
+              <a:t>11/11/2019</a:t>
             </a:fld>
             <a:endParaRPr lang="en-GB"/>
           </a:p>
@@ -1614,7 +1614,7 @@
           <a:p>
             <a:fld id="{1814E929-3373-45CD-AA52-0EA1737F23A4}" type="datetimeFigureOut">
               <a:rPr lang="en-GB" smtClean="0"/>
-              <a:t>07/11/2019</a:t>
+              <a:t>11/11/2019</a:t>
             </a:fld>
             <a:endParaRPr lang="en-GB"/>
           </a:p>
@@ -1732,7 +1732,7 @@
           <a:p>
             <a:fld id="{1814E929-3373-45CD-AA52-0EA1737F23A4}" type="datetimeFigureOut">
               <a:rPr lang="en-GB" smtClean="0"/>
-              <a:t>07/11/2019</a:t>
+              <a:t>11/11/2019</a:t>
             </a:fld>
             <a:endParaRPr lang="en-GB"/>
           </a:p>
@@ -1827,7 +1827,7 @@
           <a:p>
             <a:fld id="{1814E929-3373-45CD-AA52-0EA1737F23A4}" type="datetimeFigureOut">
               <a:rPr lang="en-GB" smtClean="0"/>
-              <a:t>07/11/2019</a:t>
+              <a:t>11/11/2019</a:t>
             </a:fld>
             <a:endParaRPr lang="en-GB"/>
           </a:p>
@@ -2104,7 +2104,7 @@
           <a:p>
             <a:fld id="{1814E929-3373-45CD-AA52-0EA1737F23A4}" type="datetimeFigureOut">
               <a:rPr lang="en-GB" smtClean="0"/>
-              <a:t>07/11/2019</a:t>
+              <a:t>11/11/2019</a:t>
             </a:fld>
             <a:endParaRPr lang="en-GB"/>
           </a:p>
@@ -2361,7 +2361,7 @@
           <a:p>
             <a:fld id="{1814E929-3373-45CD-AA52-0EA1737F23A4}" type="datetimeFigureOut">
               <a:rPr lang="en-GB" smtClean="0"/>
-              <a:t>07/11/2019</a:t>
+              <a:t>11/11/2019</a:t>
             </a:fld>
             <a:endParaRPr lang="en-GB"/>
           </a:p>
@@ -2574,7 +2574,7 @@
           <a:p>
             <a:fld id="{1814E929-3373-45CD-AA52-0EA1737F23A4}" type="datetimeFigureOut">
               <a:rPr lang="en-GB" smtClean="0"/>
-              <a:t>07/11/2019</a:t>
+              <a:t>11/11/2019</a:t>
             </a:fld>
             <a:endParaRPr lang="en-GB"/>
           </a:p>
@@ -3072,8 +3072,11 @@
               <a:rPr lang="en-GB" dirty="0" smtClean="0">
                 <a:latin typeface="+mj-lt"/>
               </a:rPr>
-              <a:t>£1.25 </a:t>
-            </a:r>
+              <a:t>£2.00 </a:t>
+            </a:r>
+            <a:endParaRPr lang="en-GB" dirty="0" smtClean="0">
+              <a:latin typeface="+mj-lt"/>
+            </a:endParaRPr>
           </a:p>
           <a:p>
             <a:r>
@@ -3170,13 +3173,7 @@
               <a:rPr lang="en-GB" b="1" dirty="0" smtClean="0">
                 <a:latin typeface="+mj-lt"/>
               </a:rPr>
-              <a:t>2.5 </a:t>
-            </a:r>
-            <a:r>
-              <a:rPr lang="en-GB" b="1" dirty="0" smtClean="0">
-                <a:latin typeface="+mj-lt"/>
-              </a:rPr>
-              <a:t>minutes</a:t>
+              <a:t>2.5 minutes</a:t>
             </a:r>
             <a:r>
               <a:rPr lang="en-GB" dirty="0" smtClean="0">
@@ -3336,55 +3333,19 @@
               <a:rPr lang="en-GB" dirty="0" smtClean="0">
                 <a:latin typeface="+mj-lt"/>
               </a:rPr>
-              <a:t> In order to travel to a new tree, each round will have a key you must press repeatedly (the </a:t>
+              <a:t> In order to travel to a new tree, each round will have a key you must press repeatedly (the ‘</a:t>
+            </a:r>
+            <a:r>
+              <a:rPr lang="en-GB" b="1" dirty="0" smtClean="0">
+                <a:latin typeface="+mj-lt"/>
+              </a:rPr>
+              <a:t>TRAVEL key</a:t>
             </a:r>
             <a:r>
               <a:rPr lang="en-GB" dirty="0" smtClean="0">
                 <a:latin typeface="+mj-lt"/>
               </a:rPr>
-              <a:t>‘</a:t>
-            </a:r>
-            <a:r>
-              <a:rPr lang="en-GB" b="1" dirty="0" smtClean="0">
-                <a:latin typeface="+mj-lt"/>
-              </a:rPr>
-              <a:t>TRAVEL </a:t>
-            </a:r>
-            <a:r>
-              <a:rPr lang="en-GB" b="1" dirty="0" smtClean="0">
-                <a:latin typeface="+mj-lt"/>
-              </a:rPr>
-              <a:t>key</a:t>
-            </a:r>
-            <a:r>
-              <a:rPr lang="en-GB" dirty="0" smtClean="0">
-                <a:latin typeface="+mj-lt"/>
-              </a:rPr>
-              <a:t>’), as well as a set of </a:t>
-            </a:r>
-            <a:r>
-              <a:rPr lang="en-GB" dirty="0" smtClean="0">
-                <a:latin typeface="+mj-lt"/>
-              </a:rPr>
-              <a:t>other </a:t>
-            </a:r>
-            <a:r>
-              <a:rPr lang="en-GB" dirty="0" smtClean="0">
-                <a:latin typeface="+mj-lt"/>
-              </a:rPr>
-              <a:t>keys you must </a:t>
-            </a:r>
-            <a:r>
-              <a:rPr lang="en-GB" dirty="0" smtClean="0">
-                <a:latin typeface="+mj-lt"/>
-              </a:rPr>
-              <a:t>persistently hold </a:t>
-            </a:r>
-            <a:r>
-              <a:rPr lang="en-GB" dirty="0" smtClean="0">
-                <a:latin typeface="+mj-lt"/>
-              </a:rPr>
-              <a:t>down (the ‘</a:t>
+              <a:t>’), as well as a set of other keys you must persistently hold down (the ‘</a:t>
             </a:r>
             <a:r>
               <a:rPr lang="en-GB" b="1" dirty="0" smtClean="0">
@@ -3532,107 +3493,23 @@
               <a:rPr lang="en-GB" sz="1500" dirty="0" smtClean="0">
                 <a:latin typeface="+mj-lt"/>
               </a:rPr>
-              <a:t>In order to travel toward the tree, you will need to repeatedly press the </a:t>
-            </a:r>
+              <a:t>In order to travel toward the tree, you will need to repeatedly press the travel key (pressing up and down repeatedly), while steadily holding down the hold-down keys. Which key you must press and which keys you must keep down will change between rounds.</a:t>
+            </a:r>
+          </a:p>
+          <a:p>
             <a:r>
               <a:rPr lang="en-GB" sz="1500" dirty="0" smtClean="0">
                 <a:latin typeface="+mj-lt"/>
               </a:rPr>
-              <a:t>travel </a:t>
-            </a:r>
+              <a:t>When you successfully are pressing down the hold-down keys, you will see a floor appear below your character in orange.</a:t>
+            </a:r>
+          </a:p>
+          <a:p>
             <a:r>
               <a:rPr lang="en-GB" sz="1500" dirty="0" smtClean="0">
                 <a:latin typeface="+mj-lt"/>
               </a:rPr>
-              <a:t>key (pressing up and down repeatedly), while steadily holding down the </a:t>
-            </a:r>
-            <a:r>
-              <a:rPr lang="en-GB" sz="1500" dirty="0" smtClean="0">
-                <a:latin typeface="+mj-lt"/>
-              </a:rPr>
-              <a:t>hold-down keys. </a:t>
-            </a:r>
-            <a:r>
-              <a:rPr lang="en-GB" sz="1500" dirty="0" smtClean="0">
-                <a:latin typeface="+mj-lt"/>
-              </a:rPr>
-              <a:t>Which key you must press and which keys you </a:t>
-            </a:r>
-            <a:r>
-              <a:rPr lang="en-GB" sz="1500" dirty="0" smtClean="0">
-                <a:latin typeface="+mj-lt"/>
-              </a:rPr>
-              <a:t>must keep</a:t>
-            </a:r>
-            <a:r>
-              <a:rPr lang="en-GB" sz="1500" dirty="0" smtClean="0">
-                <a:latin typeface="+mj-lt"/>
-              </a:rPr>
-              <a:t> down </a:t>
-            </a:r>
-            <a:r>
-              <a:rPr lang="en-GB" sz="1500" dirty="0" smtClean="0">
-                <a:latin typeface="+mj-lt"/>
-              </a:rPr>
-              <a:t>will change between rounds.</a:t>
-            </a:r>
-          </a:p>
-          <a:p>
-            <a:r>
-              <a:rPr lang="en-GB" sz="1500" dirty="0" smtClean="0">
-                <a:latin typeface="+mj-lt"/>
-              </a:rPr>
-              <a:t>When you successfully are pressing down the hold-down keys, you will see a floor appear below your character in orange.</a:t>
-            </a:r>
-          </a:p>
-          <a:p>
-            <a:r>
-              <a:rPr lang="en-GB" sz="1500" dirty="0" smtClean="0">
-                <a:latin typeface="+mj-lt"/>
-              </a:rPr>
-              <a:t>You </a:t>
-            </a:r>
-            <a:r>
-              <a:rPr lang="en-GB" sz="1500" dirty="0" smtClean="0">
-                <a:latin typeface="+mj-lt"/>
-              </a:rPr>
-              <a:t>will need to press the travel key up and down repeatedly in order to move toward the tree. Pressing the travel key will only move you forward if the </a:t>
-            </a:r>
-            <a:r>
-              <a:rPr lang="en-GB" sz="1500" dirty="0" smtClean="0">
-                <a:latin typeface="+mj-lt"/>
-              </a:rPr>
-              <a:t>hold-down </a:t>
-            </a:r>
-            <a:r>
-              <a:rPr lang="en-GB" sz="1500" dirty="0" smtClean="0">
-                <a:latin typeface="+mj-lt"/>
-              </a:rPr>
-              <a:t>keys are also being pressed </a:t>
-            </a:r>
-            <a:r>
-              <a:rPr lang="en-GB" sz="1500" dirty="0" smtClean="0">
-                <a:latin typeface="+mj-lt"/>
-              </a:rPr>
-              <a:t>down (and the floor is visible). </a:t>
-            </a:r>
-            <a:r>
-              <a:rPr lang="en-GB" sz="1500" dirty="0" smtClean="0">
-                <a:latin typeface="+mj-lt"/>
-              </a:rPr>
-              <a:t>These </a:t>
-            </a:r>
-            <a:r>
-              <a:rPr lang="en-GB" sz="1500" dirty="0" smtClean="0">
-                <a:latin typeface="+mj-lt"/>
-              </a:rPr>
-              <a:t>keys </a:t>
-            </a:r>
-            <a:r>
-              <a:rPr lang="en-GB" sz="1500" dirty="0" smtClean="0">
-                <a:latin typeface="+mj-lt"/>
-              </a:rPr>
-              <a:t>should be pressed down once and then held down for the duration of multiple travel key presses.</a:t>
+              <a:t>You will need to press the travel key up and down repeatedly in order to move toward the tree. Pressing the travel key will only move you forward if the hold-down keys are also being pressed down (and the floor is visible). These keys should be pressed down once and then held down for the duration of multiple travel key presses.</a:t>
             </a:r>
           </a:p>
           <a:p>
@@ -3662,21 +3539,7 @@
                 <a:effectLst/>
                 <a:latin typeface="+mj-lt"/>
               </a:rPr>
-              <a:t>how fast you repeatedly press the travel key while keeping the </a:t>
-            </a:r>
-            <a:r>
-              <a:rPr lang="en-GB" sz="1500" b="1" dirty="0" smtClean="0">
-                <a:effectLst/>
-                <a:latin typeface="+mj-lt"/>
-              </a:rPr>
-              <a:t>hold-down keys </a:t>
-            </a:r>
-            <a:r>
-              <a:rPr lang="en-GB" sz="1500" b="1" dirty="0" smtClean="0">
-                <a:effectLst/>
-                <a:latin typeface="+mj-lt"/>
-              </a:rPr>
-              <a:t>pressed down. </a:t>
+              <a:t>how fast you repeatedly press the travel key while keeping the hold-down keys pressed down. </a:t>
             </a:r>
             <a:endParaRPr lang="en-GB" sz="1500" dirty="0"/>
           </a:p>
@@ -4521,19 +4384,7 @@
               <a:rPr lang="en-GB" dirty="0" smtClean="0">
                 <a:latin typeface="+mj-lt"/>
               </a:rPr>
-              <a:t>by pressing down the </a:t>
-            </a:r>
-            <a:r>
-              <a:rPr lang="en-GB" dirty="0" smtClean="0">
-                <a:latin typeface="+mj-lt"/>
-              </a:rPr>
-              <a:t>hold-down </a:t>
-            </a:r>
-            <a:r>
-              <a:rPr lang="en-GB" dirty="0" smtClean="0">
-                <a:latin typeface="+mj-lt"/>
-              </a:rPr>
-              <a:t>keys and repeatedly pressing up and down the travel-key.</a:t>
+              <a:t>by pressing down the hold-down keys and repeatedly pressing up and down the travel-key.</a:t>
             </a:r>
           </a:p>
           <a:p>
@@ -4686,382 +4537,266 @@
         </p:nvSpPr>
         <p:spPr>
           <a:xfrm>
-            <a:off x="309986" y="339634"/>
-            <a:ext cx="8177165" cy="6518365"/>
+            <a:off x="375824" y="1019949"/>
+            <a:ext cx="4913065" cy="4978515"/>
           </a:xfrm>
         </p:spPr>
         <p:txBody>
           <a:bodyPr>
-            <a:normAutofit fontScale="85000" lnSpcReduction="20000"/>
+            <a:normAutofit lnSpcReduction="10000"/>
           </a:bodyPr>
           <a:lstStyle/>
           <a:p>
             <a:r>
-              <a:rPr lang="en-GB" dirty="0" smtClean="0">
-                <a:latin typeface="+mj-lt"/>
-              </a:rPr>
-              <a:t>For all the rounds, regardless of the particular travel </a:t>
-            </a:r>
-            <a:r>
-              <a:rPr lang="en-GB" dirty="0" smtClean="0">
-                <a:latin typeface="+mj-lt"/>
-              </a:rPr>
-              <a:t>key, hold-down keys, </a:t>
-            </a:r>
-            <a:r>
-              <a:rPr lang="en-GB" dirty="0" smtClean="0">
-                <a:latin typeface="+mj-lt"/>
-              </a:rPr>
-              <a:t>and harvest </a:t>
-            </a:r>
-            <a:r>
-              <a:rPr lang="en-GB" dirty="0" smtClean="0">
-                <a:latin typeface="+mj-lt"/>
-              </a:rPr>
-              <a:t>key, it is very important that you </a:t>
-            </a:r>
-            <a:r>
-              <a:rPr lang="en-GB" dirty="0" smtClean="0">
-                <a:latin typeface="+mj-lt"/>
-              </a:rPr>
-              <a:t>use the following fingers for each key:  </a:t>
-            </a:r>
-          </a:p>
-          <a:p>
-            <a:pPr lvl="1"/>
-            <a:r>
-              <a:rPr lang="en-GB" dirty="0" smtClean="0">
-                <a:latin typeface="+mj-lt"/>
-              </a:rPr>
-              <a:t>left </a:t>
-            </a:r>
-            <a:r>
-              <a:rPr lang="en-GB" dirty="0" err="1" smtClean="0">
-                <a:latin typeface="+mj-lt"/>
-              </a:rPr>
-              <a:t>pinky</a:t>
-            </a:r>
-            <a:r>
-              <a:rPr lang="en-GB" dirty="0" smtClean="0">
-                <a:latin typeface="+mj-lt"/>
-              </a:rPr>
-              <a:t> for the ‘A’ key, </a:t>
-            </a:r>
-          </a:p>
-          <a:p>
-            <a:pPr lvl="1"/>
-            <a:r>
-              <a:rPr lang="en-GB" dirty="0" smtClean="0">
-                <a:latin typeface="+mj-lt"/>
-              </a:rPr>
-              <a:t>left index finger for the ‘F’ key, </a:t>
-            </a:r>
-          </a:p>
-          <a:p>
-            <a:pPr lvl="1"/>
-            <a:r>
-              <a:rPr lang="en-GB" dirty="0" smtClean="0">
-                <a:latin typeface="+mj-lt"/>
-              </a:rPr>
-              <a:t>left middle </a:t>
-            </a:r>
-            <a:r>
-              <a:rPr lang="en-GB" dirty="0" smtClean="0">
-                <a:latin typeface="+mj-lt"/>
-              </a:rPr>
-              <a:t>finger </a:t>
-            </a:r>
-            <a:r>
-              <a:rPr lang="en-GB" dirty="0" smtClean="0">
-                <a:latin typeface="+mj-lt"/>
-              </a:rPr>
-              <a:t>for the </a:t>
-            </a:r>
-            <a:r>
-              <a:rPr lang="en-GB" dirty="0" smtClean="0">
-                <a:latin typeface="+mj-lt"/>
-              </a:rPr>
-              <a:t>‘E’ </a:t>
-            </a:r>
-            <a:r>
-              <a:rPr lang="en-GB" dirty="0" smtClean="0">
-                <a:latin typeface="+mj-lt"/>
-              </a:rPr>
-              <a:t>key</a:t>
-            </a:r>
-            <a:r>
-              <a:rPr lang="en-GB" dirty="0" smtClean="0">
-                <a:latin typeface="+mj-lt"/>
-              </a:rPr>
-              <a:t>,</a:t>
-            </a:r>
-          </a:p>
-          <a:p>
-            <a:pPr lvl="1"/>
-            <a:r>
-              <a:rPr lang="en-GB" dirty="0" smtClean="0">
-                <a:latin typeface="+mj-lt"/>
-              </a:rPr>
-              <a:t>left index finger for the ‘T’ key,</a:t>
-            </a:r>
-            <a:r>
-              <a:rPr lang="en-GB" dirty="0" smtClean="0">
-                <a:latin typeface="+mj-lt"/>
-              </a:rPr>
-              <a:t> </a:t>
-            </a:r>
-            <a:endParaRPr lang="en-GB" dirty="0" smtClean="0">
+              <a:rPr lang="en-GB" sz="1800" dirty="0" smtClean="0">
+                <a:latin typeface="+mj-lt"/>
+              </a:rPr>
+              <a:t>For all the rounds, </a:t>
+            </a:r>
+            <a:r>
+              <a:rPr lang="en-GB" sz="1800" dirty="0" smtClean="0">
+                <a:latin typeface="+mj-lt"/>
+              </a:rPr>
+              <a:t>for a particular travel key, </a:t>
+            </a:r>
+            <a:r>
+              <a:rPr lang="en-GB" sz="1800" dirty="0" smtClean="0">
+                <a:latin typeface="+mj-lt"/>
+              </a:rPr>
+              <a:t>hold-down keys, and harvest key, </a:t>
+            </a:r>
+            <a:r>
+              <a:rPr lang="en-GB" sz="1800" dirty="0" smtClean="0">
+                <a:latin typeface="+mj-lt"/>
+              </a:rPr>
+              <a:t>we will inform you which fingers you should use for each key</a:t>
+            </a:r>
+            <a:r>
+              <a:rPr lang="en-GB" sz="1800" b="1" dirty="0" smtClean="0">
+                <a:latin typeface="+mj-lt"/>
+              </a:rPr>
+              <a:t>. It is very important that you use those particular fingers to press those particular keys.</a:t>
+            </a:r>
+            <a:endParaRPr lang="en-GB" sz="1800" b="1" dirty="0" smtClean="0">
               <a:latin typeface="+mj-lt"/>
             </a:endParaRPr>
           </a:p>
           <a:p>
-            <a:pPr lvl="1"/>
-            <a:r>
-              <a:rPr lang="en-GB" dirty="0" smtClean="0">
-                <a:latin typeface="+mj-lt"/>
-              </a:rPr>
-              <a:t>right </a:t>
-            </a:r>
-            <a:r>
-              <a:rPr lang="en-GB" dirty="0" smtClean="0">
-                <a:latin typeface="+mj-lt"/>
-              </a:rPr>
-              <a:t>ring finger for </a:t>
-            </a:r>
-            <a:r>
-              <a:rPr lang="en-GB" dirty="0" smtClean="0">
-                <a:latin typeface="+mj-lt"/>
-              </a:rPr>
-              <a:t>the </a:t>
-            </a:r>
-            <a:r>
-              <a:rPr lang="en-GB" dirty="0" smtClean="0">
-                <a:latin typeface="+mj-lt"/>
-              </a:rPr>
-              <a:t>‘9’ </a:t>
-            </a:r>
-            <a:r>
-              <a:rPr lang="en-GB" dirty="0" smtClean="0">
-                <a:latin typeface="+mj-lt"/>
-              </a:rPr>
-              <a:t>key and </a:t>
-            </a:r>
-          </a:p>
-          <a:p>
-            <a:pPr lvl="1"/>
-            <a:r>
-              <a:rPr lang="en-GB" dirty="0" smtClean="0">
-                <a:latin typeface="+mj-lt"/>
-              </a:rPr>
-              <a:t>right </a:t>
-            </a:r>
-            <a:r>
-              <a:rPr lang="en-GB" dirty="0" err="1" smtClean="0">
-                <a:latin typeface="+mj-lt"/>
-              </a:rPr>
-              <a:t>pinky</a:t>
-            </a:r>
-            <a:r>
-              <a:rPr lang="en-GB" dirty="0" smtClean="0">
-                <a:latin typeface="+mj-lt"/>
-              </a:rPr>
-              <a:t>  for the ‘0’ </a:t>
-            </a:r>
-            <a:r>
-              <a:rPr lang="en-GB" dirty="0" smtClean="0">
-                <a:latin typeface="+mj-lt"/>
-              </a:rPr>
-              <a:t>key</a:t>
-            </a:r>
-            <a:r>
-              <a:rPr lang="en-GB" dirty="0" smtClean="0">
-                <a:latin typeface="+mj-lt"/>
-              </a:rPr>
-              <a:t>.</a:t>
-            </a:r>
-          </a:p>
-          <a:p>
-            <a:pPr lvl="1"/>
-            <a:r>
-              <a:rPr lang="en-GB" dirty="0" smtClean="0">
-                <a:latin typeface="+mj-lt"/>
-              </a:rPr>
-              <a:t>right thumb for the ‘M’ key</a:t>
-            </a:r>
-          </a:p>
-          <a:p>
-            <a:pPr lvl="1"/>
-            <a:r>
-              <a:rPr lang="en-GB" dirty="0" smtClean="0">
-                <a:latin typeface="+mj-lt"/>
-              </a:rPr>
-              <a:t>right index for the ‘U’ key</a:t>
-            </a:r>
-            <a:endParaRPr lang="en-GB" dirty="0" smtClean="0">
-              <a:latin typeface="+mj-lt"/>
-            </a:endParaRPr>
-          </a:p>
-          <a:p>
-            <a:pPr lvl="1"/>
-            <a:endParaRPr lang="en-GB" b="0" dirty="0" smtClean="0">
+            <a:pPr marL="457200" lvl="1" indent="0">
+              <a:buNone/>
+            </a:pPr>
+            <a:endParaRPr lang="en-GB" sz="1800" b="0" dirty="0" smtClean="0">
               <a:effectLst/>
               <a:latin typeface="+mj-lt"/>
             </a:endParaRPr>
           </a:p>
           <a:p>
             <a:r>
-              <a:rPr lang="en-GB" dirty="0" smtClean="0">
-                <a:latin typeface="+mj-lt"/>
-              </a:rPr>
-              <a:t>Let’s try a short practice round, which will last </a:t>
-            </a:r>
-            <a:r>
-              <a:rPr lang="en-GB" dirty="0" smtClean="0">
-                <a:latin typeface="+mj-lt"/>
-              </a:rPr>
-              <a:t>1 minute. </a:t>
-            </a:r>
-            <a:r>
-              <a:rPr lang="en-GB" dirty="0" smtClean="0">
-                <a:latin typeface="+mj-lt"/>
-              </a:rPr>
-              <a:t>For </a:t>
-            </a:r>
-            <a:r>
-              <a:rPr lang="en-GB" dirty="0">
+              <a:rPr lang="en-GB" sz="1800" dirty="0" smtClean="0">
+                <a:latin typeface="+mj-lt"/>
+              </a:rPr>
+              <a:t>Let’s try a short practice round, which will last 1 minute. For </a:t>
+            </a:r>
+            <a:r>
+              <a:rPr lang="en-GB" sz="1800" dirty="0">
                 <a:latin typeface="+mj-lt"/>
               </a:rPr>
               <a:t>this </a:t>
             </a:r>
             <a:r>
-              <a:rPr lang="en-GB" dirty="0" smtClean="0">
-                <a:latin typeface="+mj-lt"/>
-              </a:rPr>
-              <a:t>round, in order to travel, you will need to repeatedly press the ‘F’ key (left index), while keeping the following keys held-down: ‘A</a:t>
-            </a:r>
-            <a:r>
-              <a:rPr lang="en-GB" dirty="0" smtClean="0">
-                <a:latin typeface="+mj-lt"/>
-              </a:rPr>
-              <a:t>’, (with left </a:t>
-            </a:r>
-            <a:r>
-              <a:rPr lang="en-GB" dirty="0" err="1" smtClean="0">
-                <a:latin typeface="+mj-lt"/>
-              </a:rPr>
-              <a:t>pinky</a:t>
-            </a:r>
-            <a:r>
-              <a:rPr lang="en-GB" dirty="0" smtClean="0">
-                <a:latin typeface="+mj-lt"/>
-              </a:rPr>
-              <a:t>) ‘9’ and ‘0’ (with right </a:t>
-            </a:r>
-            <a:r>
-              <a:rPr lang="en-GB" dirty="0" smtClean="0">
-                <a:latin typeface="+mj-lt"/>
-              </a:rPr>
-              <a:t>ring and </a:t>
-            </a:r>
-            <a:r>
-              <a:rPr lang="en-GB" dirty="0" err="1" smtClean="0">
-                <a:latin typeface="+mj-lt"/>
-              </a:rPr>
-              <a:t>pinky</a:t>
-            </a:r>
-            <a:r>
-              <a:rPr lang="en-GB" dirty="0" smtClean="0">
-                <a:latin typeface="+mj-lt"/>
-              </a:rPr>
-              <a:t>), ‘M’ (with right thumb).</a:t>
-            </a:r>
-            <a:endParaRPr lang="en-GB" dirty="0" smtClean="0">
+              <a:rPr lang="en-GB" sz="1800" dirty="0" smtClean="0">
+                <a:latin typeface="+mj-lt"/>
+              </a:rPr>
+              <a:t>round, in order to travel, you will need to repeatedly press the ‘F’ key (left index), while keeping the </a:t>
+            </a:r>
+            <a:r>
+              <a:rPr lang="en-GB" sz="1800" b="1" dirty="0" smtClean="0">
+                <a:latin typeface="+mj-lt"/>
+              </a:rPr>
+              <a:t>following keys </a:t>
+            </a:r>
+            <a:r>
+              <a:rPr lang="en-GB" sz="1800" b="1" dirty="0" smtClean="0">
+                <a:latin typeface="+mj-lt"/>
+              </a:rPr>
+              <a:t>held-down </a:t>
+            </a:r>
+            <a:r>
+              <a:rPr lang="en-GB" sz="1800" dirty="0" smtClean="0">
+                <a:latin typeface="+mj-lt"/>
+              </a:rPr>
+              <a:t>(see photo on right): ‘</a:t>
+            </a:r>
+            <a:r>
+              <a:rPr lang="en-GB" sz="1800" dirty="0" smtClean="0">
+                <a:latin typeface="+mj-lt"/>
+              </a:rPr>
+              <a:t>9’ </a:t>
+            </a:r>
+            <a:r>
+              <a:rPr lang="en-GB" sz="1800" dirty="0" smtClean="0">
+                <a:latin typeface="+mj-lt"/>
+              </a:rPr>
+              <a:t>(with right middle) </a:t>
+            </a:r>
+            <a:r>
+              <a:rPr lang="en-GB" sz="1800" dirty="0" smtClean="0">
+                <a:latin typeface="+mj-lt"/>
+              </a:rPr>
+              <a:t>‘0’ (with </a:t>
+            </a:r>
+            <a:r>
+              <a:rPr lang="en-GB" sz="1800" dirty="0" smtClean="0">
+                <a:latin typeface="+mj-lt"/>
+              </a:rPr>
+              <a:t>right ring), </a:t>
+            </a:r>
+            <a:r>
+              <a:rPr lang="en-GB" sz="1800" dirty="0" smtClean="0">
+                <a:latin typeface="+mj-lt"/>
+              </a:rPr>
+              <a:t>‘M’ (with right thumb).</a:t>
+            </a:r>
+          </a:p>
+          <a:p>
+            <a:r>
+              <a:rPr lang="en-GB" sz="1800" dirty="0" smtClean="0">
+                <a:latin typeface="+mj-lt"/>
+              </a:rPr>
+              <a:t>To </a:t>
+            </a:r>
+            <a:r>
+              <a:rPr lang="en-GB" sz="1800" dirty="0">
+                <a:latin typeface="+mj-lt"/>
+              </a:rPr>
+              <a:t>HARVEST </a:t>
+            </a:r>
+            <a:r>
+              <a:rPr lang="en-GB" sz="1800" dirty="0" smtClean="0">
+                <a:latin typeface="+mj-lt"/>
+              </a:rPr>
+              <a:t>you will press ‘U’ (right index). To </a:t>
+            </a:r>
+            <a:r>
+              <a:rPr lang="en-GB" sz="1800" dirty="0">
+                <a:latin typeface="+mj-lt"/>
+              </a:rPr>
+              <a:t>collect points when you are at a tree, you will need to press </a:t>
+            </a:r>
+            <a:r>
+              <a:rPr lang="en-GB" sz="1800" dirty="0" smtClean="0">
+                <a:latin typeface="+mj-lt"/>
+              </a:rPr>
+              <a:t>this repeatedly</a:t>
+            </a:r>
+            <a:r>
+              <a:rPr lang="en-GB" sz="1800" dirty="0" smtClean="0">
+                <a:latin typeface="+mj-lt"/>
+              </a:rPr>
+              <a:t>. You will not need to hold down any keys while you press this.</a:t>
+            </a:r>
+            <a:endParaRPr lang="en-GB" sz="1800" dirty="0" smtClean="0">
               <a:latin typeface="+mj-lt"/>
             </a:endParaRPr>
           </a:p>
           <a:p>
             <a:r>
-              <a:rPr lang="en-GB" dirty="0" smtClean="0">
-                <a:latin typeface="+mj-lt"/>
-              </a:rPr>
-              <a:t>To </a:t>
-            </a:r>
-            <a:r>
-              <a:rPr lang="en-GB" dirty="0">
-                <a:latin typeface="+mj-lt"/>
-              </a:rPr>
-              <a:t>HARVEST </a:t>
-            </a:r>
-            <a:r>
-              <a:rPr lang="en-GB" dirty="0" smtClean="0">
-                <a:latin typeface="+mj-lt"/>
-              </a:rPr>
-              <a:t>you will press </a:t>
-            </a:r>
-            <a:r>
-              <a:rPr lang="en-GB" dirty="0" smtClean="0">
-                <a:latin typeface="+mj-lt"/>
-              </a:rPr>
-              <a:t>‘U’ (right index). </a:t>
-            </a:r>
-            <a:r>
-              <a:rPr lang="en-GB" dirty="0" smtClean="0">
-                <a:latin typeface="+mj-lt"/>
-              </a:rPr>
-              <a:t>To </a:t>
-            </a:r>
-            <a:r>
-              <a:rPr lang="en-GB" dirty="0">
-                <a:latin typeface="+mj-lt"/>
-              </a:rPr>
-              <a:t>collect points when you are at a tree, you will need to press </a:t>
-            </a:r>
-            <a:r>
-              <a:rPr lang="en-GB" dirty="0" smtClean="0">
-                <a:latin typeface="+mj-lt"/>
-              </a:rPr>
-              <a:t>this repeatedly.</a:t>
-            </a:r>
-          </a:p>
-          <a:p>
-            <a:r>
-              <a:rPr lang="en-GB" dirty="0" smtClean="0">
+              <a:rPr lang="en-GB" sz="1800" dirty="0" smtClean="0">
                 <a:latin typeface="+mj-lt"/>
               </a:rPr>
               <a:t>When </a:t>
             </a:r>
             <a:r>
-              <a:rPr lang="en-GB" dirty="0">
+              <a:rPr lang="en-GB" sz="1800" dirty="0">
                 <a:latin typeface="+mj-lt"/>
               </a:rPr>
               <a:t>you are ready to begin, press </a:t>
             </a:r>
             <a:r>
-              <a:rPr lang="en-GB" dirty="0"/>
+              <a:rPr lang="en-GB" sz="1800" dirty="0"/>
               <a:t>NEXT</a:t>
             </a:r>
             <a:r>
-              <a:rPr lang="en-GB" dirty="0" smtClean="0">
+              <a:rPr lang="en-GB" sz="1800" dirty="0" smtClean="0">
                 <a:latin typeface="+mj-lt"/>
               </a:rPr>
               <a:t>.</a:t>
             </a:r>
             <a:br>
-              <a:rPr lang="en-GB" dirty="0" smtClean="0">
+              <a:rPr lang="en-GB" sz="1800" dirty="0" smtClean="0">
                 <a:latin typeface="+mj-lt"/>
               </a:rPr>
             </a:br>
             <a:r>
-              <a:rPr lang="en-GB" dirty="0" smtClean="0"/>
+              <a:rPr lang="en-GB" sz="1800" dirty="0" smtClean="0"/>
               <a:t/>
             </a:r>
             <a:br>
-              <a:rPr lang="en-GB" dirty="0" smtClean="0"/>
+              <a:rPr lang="en-GB" sz="1800" dirty="0" smtClean="0"/>
             </a:br>
-            <a:endParaRPr lang="en-GB" dirty="0"/>
-          </a:p>
-        </p:txBody>
-      </p:sp>
+            <a:endParaRPr lang="en-GB" sz="1800" dirty="0"/>
+          </a:p>
+        </p:txBody>
+      </p:sp>
+      <p:sp>
+        <p:nvSpPr>
+          <p:cNvPr id="4" name="Rectangle 3"/>
+          <p:cNvSpPr/>
+          <p:nvPr/>
+        </p:nvSpPr>
+        <p:spPr>
+          <a:xfrm>
+            <a:off x="5443644" y="4308385"/>
+            <a:ext cx="3229557" cy="1569660"/>
+          </a:xfrm>
+          <a:prstGeom prst="rect">
+            <a:avLst/>
+          </a:prstGeom>
+        </p:spPr>
+        <p:txBody>
+          <a:bodyPr wrap="square">
+            <a:spAutoFit/>
+          </a:bodyPr>
+          <a:lstStyle/>
+          <a:p>
+            <a:r>
+              <a:rPr lang="en-GB" sz="1600" dirty="0" smtClean="0"/>
+              <a:t>Picture of fingers on hold-down keys to travel for this round. While these keys are held down, with these specific fingers, you can travel by repeatedly tapping the ‘f’ key with your left index.</a:t>
+            </a:r>
+            <a:endParaRPr lang="en-GB" sz="1600" dirty="0"/>
+          </a:p>
+        </p:txBody>
+      </p:sp>
+      <p:pic>
+        <p:nvPicPr>
+          <p:cNvPr id="5" name="Picture 4"/>
+          <p:cNvPicPr>
+            <a:picLocks noChangeAspect="1"/>
+          </p:cNvPicPr>
+          <p:nvPr/>
+        </p:nvPicPr>
+        <p:blipFill>
+          <a:blip r:embed="rId2" cstate="print">
+            <a:extLst>
+              <a:ext uri="{28A0092B-C50C-407E-A947-70E740481C1C}">
+                <a14:useLocalDpi xmlns:a14="http://schemas.microsoft.com/office/drawing/2010/main" val="0"/>
+              </a:ext>
+            </a:extLst>
+          </a:blip>
+          <a:stretch>
+            <a:fillRect/>
+          </a:stretch>
+        </p:blipFill>
+        <p:spPr>
+          <a:xfrm rot="10800000">
+            <a:off x="5310902" y="1341665"/>
+            <a:ext cx="3495040" cy="2621280"/>
+          </a:xfrm>
+          <a:prstGeom prst="rect">
+            <a:avLst/>
+          </a:prstGeom>
+        </p:spPr>
+      </p:pic>
     </p:spTree>
     <p:extLst>
       <p:ext uri="{BB962C8B-B14F-4D97-AF65-F5344CB8AC3E}">
@@ -5104,8 +4839,8 @@
         </p:nvSpPr>
         <p:spPr>
           <a:xfrm>
-            <a:off x="309986" y="339634"/>
-            <a:ext cx="8177165" cy="6518365"/>
+            <a:off x="155575" y="1547813"/>
+            <a:ext cx="4833513" cy="4154488"/>
           </a:xfrm>
         </p:spPr>
         <p:txBody>
@@ -5115,163 +4850,243 @@
           <a:lstStyle/>
           <a:p>
             <a:r>
-              <a:rPr lang="en-GB" dirty="0" smtClean="0">
-                <a:latin typeface="+mj-lt"/>
-              </a:rPr>
-              <a:t>Let’s practice </a:t>
-            </a:r>
-            <a:r>
-              <a:rPr lang="en-GB" dirty="0" smtClean="0">
-                <a:latin typeface="+mj-lt"/>
-              </a:rPr>
-              <a:t>another </a:t>
-            </a:r>
-            <a:r>
-              <a:rPr lang="en-GB" dirty="0" smtClean="0">
-                <a:latin typeface="+mj-lt"/>
-              </a:rPr>
-              <a:t>round now with the other travel key and hold-down keys.</a:t>
-            </a:r>
-            <a:endParaRPr lang="en-GB" b="0" dirty="0" smtClean="0">
+              <a:rPr lang="en-GB" sz="1800" dirty="0" smtClean="0">
+                <a:latin typeface="+mj-lt"/>
+              </a:rPr>
+              <a:t>Let’s practice another round now with the other travel key and hold-down keys.</a:t>
+            </a:r>
+            <a:endParaRPr lang="en-GB" sz="1800" b="0" dirty="0" smtClean="0">
               <a:effectLst/>
               <a:latin typeface="+mj-lt"/>
             </a:endParaRPr>
           </a:p>
           <a:p>
             <a:r>
-              <a:rPr lang="en-GB" dirty="0" smtClean="0">
+              <a:rPr lang="en-GB" sz="1800" dirty="0" smtClean="0">
                 <a:latin typeface="+mj-lt"/>
               </a:rPr>
               <a:t>For this round, in order to travel, you will need to repeatedly press the ‘A’ key (left </a:t>
             </a:r>
             <a:r>
-              <a:rPr lang="en-GB" dirty="0" err="1" smtClean="0">
+              <a:rPr lang="en-GB" sz="1800" dirty="0" err="1" smtClean="0">
                 <a:latin typeface="+mj-lt"/>
               </a:rPr>
               <a:t>pinky</a:t>
             </a:r>
             <a:r>
-              <a:rPr lang="en-GB" dirty="0" smtClean="0">
-                <a:latin typeface="+mj-lt"/>
-              </a:rPr>
-              <a:t>), while keeping the following keys held-down: </a:t>
-            </a:r>
-            <a:r>
-              <a:rPr lang="en-GB" dirty="0" smtClean="0">
-                <a:latin typeface="+mj-lt"/>
-              </a:rPr>
-              <a:t>‘</a:t>
-            </a:r>
-            <a:r>
-              <a:rPr lang="en-GB" dirty="0" smtClean="0">
-                <a:latin typeface="+mj-lt"/>
-              </a:rPr>
-              <a:t>E’</a:t>
-            </a:r>
-            <a:r>
-              <a:rPr lang="en-GB" dirty="0">
+              <a:rPr lang="en-GB" sz="1800" dirty="0" smtClean="0">
+                <a:latin typeface="+mj-lt"/>
+              </a:rPr>
+              <a:t>), while keeping the following keys held-down: ‘E’</a:t>
+            </a:r>
+            <a:r>
+              <a:rPr lang="en-GB" sz="1800" dirty="0">
                 <a:latin typeface="+mj-lt"/>
               </a:rPr>
               <a:t> </a:t>
             </a:r>
             <a:r>
-              <a:rPr lang="en-GB" dirty="0" smtClean="0">
-                <a:latin typeface="+mj-lt"/>
-              </a:rPr>
-              <a:t>(left middle)</a:t>
-            </a:r>
-            <a:r>
-              <a:rPr lang="en-GB" dirty="0" smtClean="0">
-                <a:latin typeface="+mj-lt"/>
-              </a:rPr>
-              <a:t> ‘T’ (left index), ‘9’ (right ring), ‘0’ (right </a:t>
-            </a:r>
-            <a:r>
-              <a:rPr lang="en-GB" dirty="0" err="1" smtClean="0">
-                <a:latin typeface="+mj-lt"/>
-              </a:rPr>
+              <a:rPr lang="en-GB" sz="1800" dirty="0" smtClean="0">
+                <a:latin typeface="+mj-lt"/>
+              </a:rPr>
+              <a:t>(left middle) ‘T’ (left index), ‘9’ (right </a:t>
+            </a:r>
+            <a:r>
+              <a:rPr lang="en-GB" sz="1800" dirty="0" smtClean="0">
+                <a:latin typeface="+mj-lt"/>
+              </a:rPr>
+              <a:t>middle), </a:t>
+            </a:r>
+            <a:r>
+              <a:rPr lang="en-GB" sz="1800" dirty="0" smtClean="0">
+                <a:latin typeface="+mj-lt"/>
+              </a:rPr>
+              <a:t>‘0’ (right </a:t>
+            </a:r>
+            <a:r>
+              <a:rPr lang="en-GB" sz="1800" dirty="0" smtClean="0">
+                <a:latin typeface="+mj-lt"/>
+              </a:rPr>
+              <a:t>ring), </a:t>
+            </a:r>
+            <a:r>
+              <a:rPr lang="en-GB" sz="1800" dirty="0" smtClean="0">
+                <a:latin typeface="+mj-lt"/>
+              </a:rPr>
+              <a:t>‘M’ (right </a:t>
+            </a:r>
+            <a:r>
+              <a:rPr lang="en-GB" sz="1800" dirty="0" smtClean="0">
+                <a:latin typeface="+mj-lt"/>
+              </a:rPr>
+              <a:t>thumb). </a:t>
+            </a:r>
+            <a:endParaRPr lang="en-GB" sz="1800" dirty="0" smtClean="0">
+              <a:latin typeface="+mj-lt"/>
+            </a:endParaRPr>
+          </a:p>
+          <a:p>
+            <a:r>
+              <a:rPr lang="en-GB" sz="1800" dirty="0" smtClean="0">
+                <a:latin typeface="+mj-lt"/>
+              </a:rPr>
+              <a:t>To HARVEST you will again press ‘U’ (right index). To collect points when you are at a tree, you will need to press this repeatedly</a:t>
+            </a:r>
+            <a:r>
+              <a:rPr lang="en-GB" sz="1800" dirty="0" smtClean="0">
+                <a:latin typeface="+mj-lt"/>
+              </a:rPr>
+              <a:t>. You will not need to hold down any other keys.</a:t>
+            </a:r>
+            <a:endParaRPr lang="en-GB" sz="1800" dirty="0" smtClean="0">
+              <a:latin typeface="+mj-lt"/>
+            </a:endParaRPr>
+          </a:p>
+          <a:p>
+            <a:r>
+              <a:rPr lang="en-GB" sz="1800" dirty="0" smtClean="0">
+                <a:latin typeface="+mj-lt"/>
+              </a:rPr>
+              <a:t>When </a:t>
+            </a:r>
+            <a:r>
+              <a:rPr lang="en-GB" sz="1800" dirty="0">
+                <a:latin typeface="+mj-lt"/>
+              </a:rPr>
+              <a:t>you are ready to begin, press </a:t>
+            </a:r>
+            <a:r>
+              <a:rPr lang="en-GB" sz="1800" dirty="0"/>
+              <a:t>NEXT</a:t>
+            </a:r>
+            <a:r>
+              <a:rPr lang="en-GB" sz="1800" dirty="0" smtClean="0">
+                <a:latin typeface="+mj-lt"/>
+              </a:rPr>
+              <a:t>.</a:t>
+            </a:r>
+            <a:br>
+              <a:rPr lang="en-GB" sz="1800" dirty="0" smtClean="0">
+                <a:latin typeface="+mj-lt"/>
+              </a:rPr>
+            </a:br>
+            <a:r>
+              <a:rPr lang="en-GB" sz="1800" dirty="0" smtClean="0"/>
+              <a:t/>
+            </a:r>
+            <a:br>
+              <a:rPr lang="en-GB" sz="1800" dirty="0" smtClean="0"/>
+            </a:br>
+            <a:endParaRPr lang="en-GB" sz="1800" dirty="0"/>
+          </a:p>
+        </p:txBody>
+      </p:sp>
+      <p:sp>
+        <p:nvSpPr>
+          <p:cNvPr id="2" name="AutoShape 2" descr="Displaying IMG-2390.jpg"/>
+          <p:cNvSpPr>
+            <a:spLocks noChangeAspect="1" noChangeArrowheads="1"/>
+          </p:cNvSpPr>
+          <p:nvPr/>
+        </p:nvSpPr>
+        <p:spPr bwMode="auto">
+          <a:xfrm>
+            <a:off x="155575" y="-144463"/>
+            <a:ext cx="304800" cy="304801"/>
+          </a:xfrm>
+          <a:prstGeom prst="rect">
+            <a:avLst/>
+          </a:prstGeom>
+          <a:noFill/>
+          <a:extLst>
+            <a:ext uri="{909E8E84-426E-40DD-AFC4-6F175D3DCCD1}">
+              <a14:hiddenFill xmlns:a14="http://schemas.microsoft.com/office/drawing/2010/main">
+                <a:solidFill>
+                  <a:srgbClr val="FFFFFF"/>
+                </a:solidFill>
+              </a14:hiddenFill>
+            </a:ext>
+          </a:extLst>
+        </p:spPr>
+        <p:txBody>
+          <a:bodyPr vert="horz" wrap="square" lIns="91440" tIns="45720" rIns="91440" bIns="45720" numCol="1" anchor="t" anchorCtr="0" compatLnSpc="1">
+            <a:prstTxWarp prst="textNoShape">
+              <a:avLst/>
+            </a:prstTxWarp>
+          </a:bodyPr>
+          <a:lstStyle/>
+          <a:p>
+            <a:endParaRPr lang="en-GB"/>
+          </a:p>
+        </p:txBody>
+      </p:sp>
+      <p:pic>
+        <p:nvPicPr>
+          <p:cNvPr id="4" name="Picture 3"/>
+          <p:cNvPicPr>
+            <a:picLocks noChangeAspect="1"/>
+          </p:cNvPicPr>
+          <p:nvPr/>
+        </p:nvPicPr>
+        <p:blipFill>
+          <a:blip r:embed="rId2" cstate="print">
+            <a:extLst>
+              <a:ext uri="{28A0092B-C50C-407E-A947-70E740481C1C}">
+                <a14:useLocalDpi xmlns:a14="http://schemas.microsoft.com/office/drawing/2010/main" val="0"/>
+              </a:ext>
+            </a:extLst>
+          </a:blip>
+          <a:stretch>
+            <a:fillRect/>
+          </a:stretch>
+        </p:blipFill>
+        <p:spPr>
+          <a:xfrm>
+            <a:off x="4989088" y="1547812"/>
+            <a:ext cx="3977099" cy="2982824"/>
+          </a:xfrm>
+          <a:prstGeom prst="rect">
+            <a:avLst/>
+          </a:prstGeom>
+        </p:spPr>
+      </p:pic>
+      <p:sp>
+        <p:nvSpPr>
+          <p:cNvPr id="5" name="Rectangle 4"/>
+          <p:cNvSpPr/>
+          <p:nvPr/>
+        </p:nvSpPr>
+        <p:spPr>
+          <a:xfrm>
+            <a:off x="5460987" y="4683036"/>
+            <a:ext cx="3505200" cy="1754326"/>
+          </a:xfrm>
+          <a:prstGeom prst="rect">
+            <a:avLst/>
+          </a:prstGeom>
+        </p:spPr>
+        <p:txBody>
+          <a:bodyPr wrap="square">
+            <a:spAutoFit/>
+          </a:bodyPr>
+          <a:lstStyle/>
+          <a:p>
+            <a:r>
+              <a:rPr lang="en-GB" dirty="0"/>
+              <a:t>Picture of fingers on hold-down keys to travel for this round. While these keys are held down, with these specific fingers, you can travel by repeatedly tapping the </a:t>
+            </a:r>
+            <a:r>
+              <a:rPr lang="en-GB" dirty="0" smtClean="0"/>
+              <a:t>‘a’ key with your left </a:t>
+            </a:r>
+            <a:r>
+              <a:rPr lang="en-GB" dirty="0" err="1" smtClean="0"/>
               <a:t>pinky</a:t>
             </a:r>
             <a:r>
-              <a:rPr lang="en-GB" dirty="0" smtClean="0">
-                <a:latin typeface="+mj-lt"/>
-              </a:rPr>
-              <a:t>), ‘M’ (right middle). </a:t>
-            </a:r>
-          </a:p>
-          <a:p>
-            <a:r>
-              <a:rPr lang="en-GB" dirty="0" smtClean="0">
-                <a:latin typeface="+mj-lt"/>
-              </a:rPr>
-              <a:t>To </a:t>
-            </a:r>
-            <a:r>
-              <a:rPr lang="en-GB" dirty="0" smtClean="0">
-                <a:latin typeface="+mj-lt"/>
-              </a:rPr>
-              <a:t>HARVEST you </a:t>
-            </a:r>
-            <a:r>
-              <a:rPr lang="en-GB" dirty="0" smtClean="0">
-                <a:latin typeface="+mj-lt"/>
-              </a:rPr>
-              <a:t>will again </a:t>
-            </a:r>
-            <a:r>
-              <a:rPr lang="en-GB" dirty="0" smtClean="0">
-                <a:latin typeface="+mj-lt"/>
-              </a:rPr>
-              <a:t>press </a:t>
-            </a:r>
-            <a:r>
-              <a:rPr lang="en-GB" dirty="0" smtClean="0">
-                <a:latin typeface="+mj-lt"/>
-              </a:rPr>
-              <a:t>‘U’ (right index). </a:t>
-            </a:r>
-            <a:r>
-              <a:rPr lang="en-GB" dirty="0" smtClean="0">
-                <a:latin typeface="+mj-lt"/>
-              </a:rPr>
-              <a:t>To collect points when you are at a tree, you will need to press this repeatedly.</a:t>
-            </a:r>
-          </a:p>
-          <a:p>
-            <a:r>
-              <a:rPr lang="en-GB" dirty="0" smtClean="0">
-                <a:latin typeface="+mj-lt"/>
-              </a:rPr>
-              <a:t>When </a:t>
-            </a:r>
-            <a:r>
-              <a:rPr lang="en-GB" dirty="0">
-                <a:latin typeface="+mj-lt"/>
-              </a:rPr>
-              <a:t>you are ready to begin, press </a:t>
-            </a:r>
-            <a:r>
-              <a:rPr lang="en-GB" dirty="0"/>
-              <a:t>NEXT</a:t>
-            </a:r>
-            <a:r>
-              <a:rPr lang="en-GB" dirty="0" smtClean="0">
-                <a:latin typeface="+mj-lt"/>
-              </a:rPr>
+              <a:rPr lang="en-GB" dirty="0" smtClean="0"/>
               <a:t>.</a:t>
             </a:r>
-            <a:br>
-              <a:rPr lang="en-GB" dirty="0" smtClean="0">
-                <a:latin typeface="+mj-lt"/>
-              </a:rPr>
-            </a:br>
-            <a:r>
-              <a:rPr lang="en-GB" dirty="0" smtClean="0"/>
-              <a:t/>
-            </a:r>
-            <a:br>
-              <a:rPr lang="en-GB" dirty="0" smtClean="0"/>
-            </a:br>
             <a:endParaRPr lang="en-GB" dirty="0"/>
           </a:p>
         </p:txBody>
@@ -5318,13 +5133,13 @@
         </p:nvSpPr>
         <p:spPr>
           <a:xfrm>
-            <a:off x="469899" y="1256966"/>
-            <a:ext cx="7848601" cy="4295838"/>
+            <a:off x="126999" y="977566"/>
+            <a:ext cx="5295901" cy="4295838"/>
           </a:xfrm>
         </p:spPr>
         <p:txBody>
           <a:bodyPr>
-            <a:normAutofit/>
+            <a:normAutofit fontScale="92500" lnSpcReduction="10000"/>
           </a:bodyPr>
           <a:lstStyle/>
           <a:p>
@@ -5373,12 +5188,30 @@
               <a:rPr lang="en-GB" dirty="0" smtClean="0">
                 <a:latin typeface="+mj-lt"/>
               </a:rPr>
-              <a:t>key will sometimes be </a:t>
+              <a:t>key will sometimes</a:t>
+            </a:r>
+            <a:r>
+              <a:rPr lang="en-GB" i="1" dirty="0" smtClean="0">
+                <a:latin typeface="+mj-lt"/>
+              </a:rPr>
+              <a:t> </a:t>
+            </a:r>
+            <a:r>
+              <a:rPr lang="en-GB" i="1" dirty="0" smtClean="0">
+                <a:latin typeface="+mj-lt"/>
+              </a:rPr>
+              <a:t>(case 1)</a:t>
             </a:r>
             <a:r>
               <a:rPr lang="en-GB" dirty="0" smtClean="0">
                 <a:latin typeface="+mj-lt"/>
               </a:rPr>
+              <a:t> be </a:t>
+            </a:r>
+            <a:r>
+              <a:rPr lang="en-GB" dirty="0" smtClean="0">
+                <a:latin typeface="+mj-lt"/>
+              </a:rPr>
               <a:t>A (left </a:t>
             </a:r>
             <a:r>
@@ -5391,67 +5224,25 @@
               <a:rPr lang="en-GB" dirty="0" smtClean="0">
                 <a:latin typeface="+mj-lt"/>
               </a:rPr>
-              <a:t>) </a:t>
+              <a:t>) with hold-down keys </a:t>
+            </a:r>
+            <a:r>
+              <a:rPr lang="en-GB" dirty="0">
+                <a:latin typeface="+mj-lt"/>
+              </a:rPr>
+              <a:t>E</a:t>
             </a:r>
             <a:r>
               <a:rPr lang="en-GB" dirty="0" smtClean="0">
                 <a:latin typeface="+mj-lt"/>
               </a:rPr>
-              <a:t>with hold-down keys </a:t>
-            </a:r>
-            <a:r>
-              <a:rPr lang="en-GB" dirty="0">
-                <a:latin typeface="+mj-lt"/>
-              </a:rPr>
-              <a:t>E</a:t>
+              <a:t>, T (left middle and index) and M, 9, 0 (right thumb, </a:t>
             </a:r>
             <a:r>
               <a:rPr lang="en-GB" dirty="0" smtClean="0">
                 <a:latin typeface="+mj-lt"/>
               </a:rPr>
-              <a:t>, </a:t>
-            </a:r>
-            <a:r>
-              <a:rPr lang="en-GB" dirty="0" smtClean="0">
-                <a:latin typeface="+mj-lt"/>
-              </a:rPr>
-              <a:t>T (left middle and index)</a:t>
-            </a:r>
-            <a:r>
-              <a:rPr lang="en-GB" dirty="0" smtClean="0">
-                <a:latin typeface="+mj-lt"/>
-              </a:rPr>
-              <a:t> </a:t>
-            </a:r>
-            <a:r>
-              <a:rPr lang="en-GB" dirty="0" smtClean="0">
-                <a:latin typeface="+mj-lt"/>
-              </a:rPr>
-              <a:t>and </a:t>
-            </a:r>
-            <a:r>
-              <a:rPr lang="en-GB" dirty="0" smtClean="0">
-                <a:latin typeface="+mj-lt"/>
-              </a:rPr>
-              <a:t>M, 9, 0 (right thumb, ring finger, </a:t>
-            </a:r>
-            <a:r>
-              <a:rPr lang="en-GB" dirty="0" err="1" smtClean="0">
-                <a:latin typeface="+mj-lt"/>
-              </a:rPr>
-              <a:t>pinky</a:t>
-            </a:r>
-            <a:r>
-              <a:rPr lang="en-GB" dirty="0" smtClean="0">
-                <a:latin typeface="+mj-lt"/>
-              </a:rPr>
-              <a:t>)</a:t>
-            </a:r>
-            <a:r>
-              <a:rPr lang="en-GB" dirty="0" smtClean="0">
-                <a:latin typeface="+mj-lt"/>
-              </a:rPr>
-              <a:t>. </a:t>
+              <a:t>middle, ring). </a:t>
             </a:r>
             <a:endParaRPr lang="en-GB" dirty="0" smtClean="0">
               <a:latin typeface="+mj-lt"/>
@@ -5466,61 +5257,196 @@
               <a:t>Other </a:t>
             </a:r>
             <a:r>
+              <a:rPr lang="en-GB" dirty="0" smtClean="0">
+                <a:latin typeface="+mj-lt"/>
+              </a:rPr>
+              <a:t>times </a:t>
+            </a:r>
+            <a:r>
+              <a:rPr lang="en-GB" i="1" dirty="0" smtClean="0">
+                <a:latin typeface="+mj-lt"/>
+              </a:rPr>
+              <a:t>(case 2) </a:t>
+            </a:r>
+            <a:r>
               <a:rPr lang="en-GB" dirty="0">
                 <a:latin typeface="+mj-lt"/>
               </a:rPr>
-              <a:t>times the TRAVEL </a:t>
+              <a:t>the TRAVEL </a:t>
             </a:r>
             <a:r>
               <a:rPr lang="en-GB" dirty="0" smtClean="0">
                 <a:latin typeface="+mj-lt"/>
               </a:rPr>
-              <a:t>key will be F, with hold-down keys </a:t>
+              <a:t>key will be </a:t>
             </a:r>
             <a:r>
               <a:rPr lang="en-GB" dirty="0" smtClean="0">
                 <a:latin typeface="+mj-lt"/>
               </a:rPr>
-              <a:t>A (left </a:t>
-            </a:r>
-            <a:r>
-              <a:rPr lang="en-GB" dirty="0" err="1" smtClean="0">
-                <a:latin typeface="+mj-lt"/>
-              </a:rPr>
-              <a:t>pinky</a:t>
+              <a:t>F (left index), </a:t>
             </a:r>
             <a:r>
               <a:rPr lang="en-GB" dirty="0" smtClean="0">
                 <a:latin typeface="+mj-lt"/>
               </a:rPr>
-              <a:t>) and </a:t>
+              <a:t>with hold-down </a:t>
+            </a:r>
+            <a:r>
+              <a:rPr lang="en-GB" dirty="0" smtClean="0">
+                <a:latin typeface="+mj-lt"/>
+              </a:rPr>
+              <a:t>keys M</a:t>
             </a:r>
             <a:r>
               <a:rPr lang="en-GB" dirty="0">
                 <a:latin typeface="+mj-lt"/>
               </a:rPr>
-              <a:t>M, 9, 0 (right thumb, ring finger, </a:t>
-            </a:r>
-            <a:r>
-              <a:rPr lang="en-GB" dirty="0" err="1">
-                <a:latin typeface="+mj-lt"/>
-              </a:rPr>
-              <a:t>pinky</a:t>
-            </a:r>
-            <a:r>
-              <a:rPr lang="en-GB" dirty="0">
-                <a:latin typeface="+mj-lt"/>
-              </a:rPr>
-              <a:t>). </a:t>
-            </a:r>
-          </a:p>
-          <a:p>
+              <a:t>, 9, 0 (right thumb, </a:t>
+            </a:r>
+            <a:r>
+              <a:rPr lang="en-GB" dirty="0" smtClean="0">
+                <a:latin typeface="+mj-lt"/>
+              </a:rPr>
+              <a:t>middle, ring). </a:t>
+            </a:r>
             <a:endParaRPr lang="en-GB" dirty="0">
               <a:latin typeface="+mj-lt"/>
             </a:endParaRPr>
           </a:p>
-        </p:txBody>
-      </p:sp>
+          <a:p>
+            <a:endParaRPr lang="en-GB" dirty="0">
+              <a:latin typeface="+mj-lt"/>
+            </a:endParaRPr>
+          </a:p>
+        </p:txBody>
+      </p:sp>
+      <p:pic>
+        <p:nvPicPr>
+          <p:cNvPr id="4" name="Picture 3"/>
+          <p:cNvPicPr>
+            <a:picLocks noChangeAspect="1"/>
+          </p:cNvPicPr>
+          <p:nvPr/>
+        </p:nvPicPr>
+        <p:blipFill>
+          <a:blip r:embed="rId2" cstate="print">
+            <a:extLst>
+              <a:ext uri="{28A0092B-C50C-407E-A947-70E740481C1C}">
+                <a14:useLocalDpi xmlns:a14="http://schemas.microsoft.com/office/drawing/2010/main" val="0"/>
+              </a:ext>
+            </a:extLst>
+          </a:blip>
+          <a:stretch>
+            <a:fillRect/>
+          </a:stretch>
+        </p:blipFill>
+        <p:spPr>
+          <a:xfrm>
+            <a:off x="5947715" y="673010"/>
+            <a:ext cx="2908300" cy="2181225"/>
+          </a:xfrm>
+          <a:prstGeom prst="rect">
+            <a:avLst/>
+          </a:prstGeom>
+        </p:spPr>
+      </p:pic>
+      <p:sp>
+        <p:nvSpPr>
+          <p:cNvPr id="2" name="Rectangle 1"/>
+          <p:cNvSpPr/>
+          <p:nvPr/>
+        </p:nvSpPr>
+        <p:spPr>
+          <a:xfrm>
+            <a:off x="5846115" y="2854235"/>
+            <a:ext cx="2908300" cy="830997"/>
+          </a:xfrm>
+          <a:prstGeom prst="rect">
+            <a:avLst/>
+          </a:prstGeom>
+        </p:spPr>
+        <p:txBody>
+          <a:bodyPr wrap="square">
+            <a:spAutoFit/>
+          </a:bodyPr>
+          <a:lstStyle/>
+          <a:p>
+            <a:r>
+              <a:rPr lang="en-GB" sz="1200" i="1" dirty="0" smtClean="0"/>
+              <a:t>Case 1 hold down keys. To travel in this type of round, hold down these keys, with these fingers and repeatedly tap ‘A’ with your left </a:t>
+            </a:r>
+            <a:r>
+              <a:rPr lang="en-GB" sz="1200" i="1" dirty="0" err="1" smtClean="0"/>
+              <a:t>pinky</a:t>
+            </a:r>
+            <a:r>
+              <a:rPr lang="en-GB" sz="1200" i="1" dirty="0" smtClean="0"/>
+              <a:t>.</a:t>
+            </a:r>
+            <a:endParaRPr lang="en-GB" dirty="0"/>
+          </a:p>
+        </p:txBody>
+      </p:sp>
+      <p:sp>
+        <p:nvSpPr>
+          <p:cNvPr id="6" name="Rectangle 5"/>
+          <p:cNvSpPr/>
+          <p:nvPr/>
+        </p:nvSpPr>
+        <p:spPr>
+          <a:xfrm>
+            <a:off x="5846115" y="5700087"/>
+            <a:ext cx="2908300" cy="830997"/>
+          </a:xfrm>
+          <a:prstGeom prst="rect">
+            <a:avLst/>
+          </a:prstGeom>
+        </p:spPr>
+        <p:txBody>
+          <a:bodyPr wrap="square">
+            <a:spAutoFit/>
+          </a:bodyPr>
+          <a:lstStyle/>
+          <a:p>
+            <a:r>
+              <a:rPr lang="en-GB" sz="1200" i="1" dirty="0" smtClean="0"/>
+              <a:t>Case 2 hold down keys. To travel in this type of round, hold down these keys, with these fingers and repeatedly tap ‘F’ with your left index finger.</a:t>
+            </a:r>
+            <a:endParaRPr lang="en-GB" dirty="0"/>
+          </a:p>
+        </p:txBody>
+      </p:sp>
+      <p:pic>
+        <p:nvPicPr>
+          <p:cNvPr id="7" name="Picture 6"/>
+          <p:cNvPicPr>
+            <a:picLocks noChangeAspect="1"/>
+          </p:cNvPicPr>
+          <p:nvPr/>
+        </p:nvPicPr>
+        <p:blipFill>
+          <a:blip r:embed="rId3" cstate="print">
+            <a:extLst>
+              <a:ext uri="{28A0092B-C50C-407E-A947-70E740481C1C}">
+                <a14:useLocalDpi xmlns:a14="http://schemas.microsoft.com/office/drawing/2010/main" val="0"/>
+              </a:ext>
+            </a:extLst>
+          </a:blip>
+          <a:stretch>
+            <a:fillRect/>
+          </a:stretch>
+        </p:blipFill>
+        <p:spPr>
+          <a:xfrm rot="10800000">
+            <a:off x="6035345" y="3860800"/>
+            <a:ext cx="2529840" cy="1604248"/>
+          </a:xfrm>
+          <a:prstGeom prst="rect">
+            <a:avLst/>
+          </a:prstGeom>
+        </p:spPr>
+      </p:pic>
     </p:spTree>
     <p:extLst>
       <p:ext uri="{BB962C8B-B14F-4D97-AF65-F5344CB8AC3E}">
@@ -5583,13 +5509,7 @@
               <a:rPr lang="en-GB" sz="1950" dirty="0" smtClean="0">
                 <a:latin typeface="+mj-lt"/>
               </a:rPr>
-              <a:t>2.5 </a:t>
-            </a:r>
-            <a:r>
-              <a:rPr lang="en-GB" sz="1950" dirty="0" smtClean="0">
-                <a:latin typeface="+mj-lt"/>
-              </a:rPr>
-              <a:t>minutes.</a:t>
+              <a:t>2.5 minutes.</a:t>
             </a:r>
             <a:endParaRPr lang="en-GB" sz="1950" dirty="0">
               <a:latin typeface="+mj-lt"/>
@@ -5600,14 +5520,26 @@
               <a:rPr lang="en-GB" sz="1950" dirty="0">
                 <a:latin typeface="+mj-lt"/>
               </a:rPr>
-              <a:t>The total number of points that you collect in a round will be affected both by how quickly you enter the sequences, as well as how long you decide to harvest from a tree as its points decrease.</a:t>
-            </a:r>
-          </a:p>
-          <a:p>
+              <a:t>The total number of points that you collect in a round will be affected both by how quickly you </a:t>
+            </a:r>
+            <a:r>
+              <a:rPr lang="en-GB" sz="1950" dirty="0" smtClean="0">
+                <a:latin typeface="+mj-lt"/>
+              </a:rPr>
+              <a:t>press the keys (pressing faster will earn you more points), </a:t>
+            </a:r>
             <a:r>
               <a:rPr lang="en-GB" sz="1950" dirty="0">
                 <a:latin typeface="+mj-lt"/>
               </a:rPr>
+              <a:t>as well as how long you decide to harvest from a tree as its points decrease.</a:t>
+            </a:r>
+          </a:p>
+          <a:p>
+            <a:r>
+              <a:rPr lang="en-GB" sz="1950" dirty="0">
+                <a:latin typeface="+mj-lt"/>
+              </a:rPr>
               <a:t>Before you begin, you will need to pass a quiz on the instructions. </a:t>
             </a:r>
           </a:p>
@@ -5616,7 +5548,19 @@
               <a:rPr lang="en-GB" sz="1950" dirty="0">
                 <a:latin typeface="+mj-lt"/>
               </a:rPr>
-              <a:t>Either answering a question wrong, or answering ‘I don’t know’, will require you to re-read the instructions. However, you will not need to redo the practice round. </a:t>
+              <a:t>Either answering a question wrong, or answering ‘I don’t know’, will require you to re-read the instructions. However, you will not need to </a:t>
+            </a:r>
+            <a:r>
+              <a:rPr lang="en-GB" sz="1950" dirty="0" smtClean="0">
+                <a:latin typeface="+mj-lt"/>
+              </a:rPr>
+              <a:t>re-do </a:t>
+            </a:r>
+            <a:r>
+              <a:rPr lang="en-GB" sz="1950" dirty="0">
+                <a:latin typeface="+mj-lt"/>
+              </a:rPr>
+              <a:t>the practice round. </a:t>
             </a:r>
           </a:p>
           <a:p>
